--- a/Assignment4/Content/Data/info.pptx
+++ b/Assignment4/Content/Data/info.pptx
@@ -6,48 +6,49 @@
   </p:sldMasterIdLst>
   <p:sldIdLst>
     <p:sldId xmlns:r="http://schemas.openxmlformats.org/officeDocument/2006/relationships" id="256" r:id="rId2"/>
-    <p:sldId id="298" r:id="R49f1e1be3baf4d44"/>
-    <p:sldId id="297" r:id="Re6af201c4d2847dd"/>
-    <p:sldId id="296" r:id="R4644b416306a4c64"/>
-    <p:sldId id="295" r:id="R93e6bf17f12a49c9"/>
-    <p:sldId id="294" r:id="R864a8b73bb4646d0"/>
-    <p:sldId id="293" r:id="R894fb8acd795451e"/>
-    <p:sldId id="292" r:id="Reeede979eeac405c"/>
-    <p:sldId id="291" r:id="R5bd1b844f1a44aec"/>
-    <p:sldId id="290" r:id="R322aa99479894ab1"/>
-    <p:sldId id="289" r:id="R56efb30910da4ab8"/>
-    <p:sldId id="288" r:id="Rb3f7a465fee3445e"/>
-    <p:sldId id="287" r:id="R150398707fd34510"/>
-    <p:sldId id="286" r:id="Rc055d12814d94173"/>
-    <p:sldId id="285" r:id="R643b2da86d344478"/>
-    <p:sldId id="284" r:id="Ra36c1f6cf3c84b45"/>
-    <p:sldId id="283" r:id="R170886ac8b3449e2"/>
-    <p:sldId id="282" r:id="R0045d4b6e6bc4051"/>
-    <p:sldId id="281" r:id="Rcc1c5ca53cfa499b"/>
-    <p:sldId id="280" r:id="R14f6a539975449e6"/>
-    <p:sldId id="279" r:id="R66f86b30defa4b9c"/>
-    <p:sldId id="278" r:id="R736cff631ed14fad"/>
-    <p:sldId id="277" r:id="R32d974b95b86468c"/>
-    <p:sldId id="276" r:id="Rc79e7a3720524e8b"/>
-    <p:sldId id="275" r:id="Rbd3aee8188cf416d"/>
-    <p:sldId id="274" r:id="R04d86e73617b444f"/>
-    <p:sldId id="273" r:id="R39e92c91a70c4c2c"/>
-    <p:sldId id="272" r:id="R8c53f65e4aaa45a0"/>
-    <p:sldId id="271" r:id="Re796e739fa764c1b"/>
-    <p:sldId id="270" r:id="R551919dc59764b99"/>
-    <p:sldId id="269" r:id="Rd3dc94c2e8664f1f"/>
-    <p:sldId id="268" r:id="Re5fc6f740f584740"/>
-    <p:sldId id="267" r:id="Rc9448514d9a84cd7"/>
-    <p:sldId id="266" r:id="Red355b7c4505485a"/>
-    <p:sldId id="265" r:id="R29678bf411b14f07"/>
-    <p:sldId id="264" r:id="Rf3cf10ba865d4b20"/>
-    <p:sldId id="263" r:id="Rb10d6af3eacc4f47"/>
-    <p:sldId id="262" r:id="R18dfc294a6eb4b3f"/>
-    <p:sldId id="261" r:id="R46ff52472e684bbe"/>
-    <p:sldId id="260" r:id="R2d26f730a4854372"/>
-    <p:sldId id="259" r:id="R534eec127ca641ce"/>
-    <p:sldId id="258" r:id="R925742c630004271"/>
-    <p:sldId id="257" r:id="R4f377b8183e641c7"/>
+    <p:sldId id="299" r:id="R020ed8c702724b46"/>
+    <p:sldId id="298" r:id="R8a309a4ca1964ff5"/>
+    <p:sldId id="297" r:id="R5ca4d1c73e294760"/>
+    <p:sldId id="296" r:id="R28c955bfd0324b22"/>
+    <p:sldId id="295" r:id="R8a97872be4f04b76"/>
+    <p:sldId id="294" r:id="R81465ca1abf142e6"/>
+    <p:sldId id="293" r:id="R2e146f3a312a4c07"/>
+    <p:sldId id="292" r:id="Re56b89e74e474c04"/>
+    <p:sldId id="291" r:id="R512b4bd1f0634a0c"/>
+    <p:sldId id="290" r:id="Rc8ec1a62355d4682"/>
+    <p:sldId id="289" r:id="R6fbd3476784445b3"/>
+    <p:sldId id="288" r:id="Ra54ce1f2c6bd4baa"/>
+    <p:sldId id="287" r:id="R172249747d194c08"/>
+    <p:sldId id="286" r:id="R652e4de7b9624725"/>
+    <p:sldId id="285" r:id="R114755b0afe24ca4"/>
+    <p:sldId id="284" r:id="R39b7e3dc1d6d4311"/>
+    <p:sldId id="283" r:id="R96cdaca67785408c"/>
+    <p:sldId id="282" r:id="Reac20f00475b4b55"/>
+    <p:sldId id="281" r:id="R73966681d86c43a4"/>
+    <p:sldId id="280" r:id="R86e1443389eb4d80"/>
+    <p:sldId id="279" r:id="R633cd0aaddf34de5"/>
+    <p:sldId id="278" r:id="R44a2ccb31f274d2e"/>
+    <p:sldId id="277" r:id="Re30e172b4fef48af"/>
+    <p:sldId id="276" r:id="R14d7cd6006024235"/>
+    <p:sldId id="275" r:id="R7af3794d99b844ed"/>
+    <p:sldId id="274" r:id="R3f89365a577a4854"/>
+    <p:sldId id="273" r:id="R6c41fac9b6b34f5c"/>
+    <p:sldId id="272" r:id="Rb404fb0f7cae498d"/>
+    <p:sldId id="271" r:id="R95b4ac2b0abf4f4b"/>
+    <p:sldId id="270" r:id="R52f8a242d6ac4217"/>
+    <p:sldId id="269" r:id="Rfbc30893da2c4104"/>
+    <p:sldId id="268" r:id="R38745cbfcd74460e"/>
+    <p:sldId id="267" r:id="R483130d532a740f5"/>
+    <p:sldId id="266" r:id="Rc2c4013b26004877"/>
+    <p:sldId id="265" r:id="R4f772581777b4d8e"/>
+    <p:sldId id="264" r:id="R37a5545d48d245ee"/>
+    <p:sldId id="263" r:id="R1ecf40da312f41d4"/>
+    <p:sldId id="262" r:id="R7bcaec89da0944bd"/>
+    <p:sldId id="261" r:id="R7f5bf4d018e54570"/>
+    <p:sldId id="260" r:id="R4e0303e04a884494"/>
+    <p:sldId id="259" r:id="R8849f6e49a7444da"/>
+    <p:sldId id="258" r:id="R9df8b5ab585c491a"/>
+    <p:sldId id="257" r:id="R577e2fef8ad44208"/>
   </p:sldIdLst>
   <p:sldSz cx="9144000" cy="6858000" type="screen4x3"/>
   <p:notesSz cx="6858000" cy="9144000"/>
@@ -372,7 +373,7 @@
           <p:nvPr/>
         </p:nvPicPr>
         <p:blipFill>
-          <a:blip xmlns:r="http://schemas.openxmlformats.org/officeDocument/2006/relationships" r:embed="R9249c12a87d44853">
+          <a:blip xmlns:r="http://schemas.openxmlformats.org/officeDocument/2006/relationships" r:embed="R56538464f0254665">
             <a:extLst>
               <a:ext uri="{28A0092B-C50C-407E-A947-70E740481C1C}">
                 <a14:useLocalDpi xmlns:a14="http://schemas.microsoft.com/office/drawing/2010/main" val="0"/>
@@ -404,6 +405,59 @@
   <p:cSld>
     <p:spTree>
       <p:nvGrpSpPr>
+        <p:cNvPr id="1" name="Hello, my name is Prakash Gurung."/>
+        <p:cNvGrpSpPr/>
+        <p:nvPr/>
+      </p:nvGrpSpPr>
+      <p:grpSpPr/>
+      <p:sp>
+        <p:nvSpPr>
+          <p:cNvPr id="2" name="Title"/>
+          <p:cNvSpPr>
+            <a:spLocks xmlns:a="http://schemas.openxmlformats.org/drawingml/2006/main" noGrp="1"/>
+          </p:cNvSpPr>
+          <p:nvPr>
+            <p:ph type="title"/>
+          </p:nvPr>
+        </p:nvSpPr>
+        <p:spPr/>
+        <p:txBody>
+          <a:bodyPr xmlns:a="http://schemas.openxmlformats.org/drawingml/2006/main"/>
+          <a:lstStyle xmlns:a="http://schemas.openxmlformats.org/drawingml/2006/main"/>
+          <a:p xmlns:a="http://schemas.openxmlformats.org/drawingml/2006/main">
+            <a:r>
+              <a:t>Hello, my name is Prakash Gurung.</a:t>
+            </a:r>
+          </a:p>
+        </p:txBody>
+      </p:sp>
+      <p:sp>
+        <p:nvSpPr>
+          <p:cNvPr id="3" name="Content Placeholder"/>
+          <p:cNvSpPr>
+            <a:spLocks xmlns:a="http://schemas.openxmlformats.org/drawingml/2006/main" noGrp="1"/>
+          </p:cNvSpPr>
+          <p:nvPr>
+            <p:ph idx="1"/>
+          </p:nvPr>
+        </p:nvSpPr>
+        <p:spPr/>
+        <p:txBody>
+          <a:bodyPr xmlns:a="http://schemas.openxmlformats.org/drawingml/2006/main"/>
+          <a:lstStyle xmlns:a="http://schemas.openxmlformats.org/drawingml/2006/main"/>
+          <a:p xmlns:a="http://schemas.openxmlformats.org/drawingml/2006/main"/>
+        </p:txBody>
+      </p:sp>
+    </p:spTree>
+  </p:cSld>
+</p:sld>
+</file>
+
+<file path=ppt/slides/slide11.xml><?xml version="1.0" encoding="utf-8"?>
+<p:sld xmlns:p="http://schemas.openxmlformats.org/presentationml/2006/main">
+  <p:cSld>
+    <p:spTree>
+      <p:nvGrpSpPr>
         <p:cNvPr id="1" name="Hello, my name is Mostafizur Rahman."/>
         <p:cNvGrpSpPr/>
         <p:nvPr/>
@@ -452,7 +506,7 @@
 </p:sld>
 </file>
 
-<file path=ppt/slides/slide11.xml><?xml version="1.0" encoding="utf-8"?>
+<file path=ppt/slides/slide12.xml><?xml version="1.0" encoding="utf-8"?>
 <p:sld xmlns:p="http://schemas.openxmlformats.org/presentationml/2006/main">
   <p:cSld>
     <p:spTree>
@@ -505,7 +559,7 @@
 </p:sld>
 </file>
 
-<file path=ppt/slides/slide12.xml><?xml version="1.0" encoding="utf-8"?>
+<file path=ppt/slides/slide13.xml><?xml version="1.0" encoding="utf-8"?>
 <p:sld xmlns:p="http://schemas.openxmlformats.org/presentationml/2006/main">
   <p:cSld>
     <p:spTree>
@@ -558,7 +612,7 @@
 </p:sld>
 </file>
 
-<file path=ppt/slides/slide13.xml><?xml version="1.0" encoding="utf-8"?>
+<file path=ppt/slides/slide14.xml><?xml version="1.0" encoding="utf-8"?>
 <p:sld xmlns:p="http://schemas.openxmlformats.org/presentationml/2006/main">
   <p:cSld>
     <p:spTree>
@@ -611,7 +665,7 @@
 </p:sld>
 </file>
 
-<file path=ppt/slides/slide14.xml><?xml version="1.0" encoding="utf-8"?>
+<file path=ppt/slides/slide15.xml><?xml version="1.0" encoding="utf-8"?>
 <p:sld xmlns:p="http://schemas.openxmlformats.org/presentationml/2006/main">
   <p:cSld>
     <p:spTree>
@@ -664,7 +718,7 @@
 </p:sld>
 </file>
 
-<file path=ppt/slides/slide15.xml><?xml version="1.0" encoding="utf-8"?>
+<file path=ppt/slides/slide16.xml><?xml version="1.0" encoding="utf-8"?>
 <p:sld xmlns:p="http://schemas.openxmlformats.org/presentationml/2006/main">
   <p:cSld>
     <p:spTree>
@@ -717,7 +771,7 @@
 </p:sld>
 </file>
 
-<file path=ppt/slides/slide16.xml><?xml version="1.0" encoding="utf-8"?>
+<file path=ppt/slides/slide17.xml><?xml version="1.0" encoding="utf-8"?>
 <p:sld xmlns:p="http://schemas.openxmlformats.org/presentationml/2006/main">
   <p:cSld>
     <p:spTree>
@@ -770,7 +824,7 @@
 </p:sld>
 </file>
 
-<file path=ppt/slides/slide17.xml><?xml version="1.0" encoding="utf-8"?>
+<file path=ppt/slides/slide18.xml><?xml version="1.0" encoding="utf-8"?>
 <p:sld xmlns:p="http://schemas.openxmlformats.org/presentationml/2006/main">
   <p:cSld>
     <p:spTree>
@@ -823,7 +877,7 @@
 </p:sld>
 </file>
 
-<file path=ppt/slides/slide18.xml><?xml version="1.0" encoding="utf-8"?>
+<file path=ppt/slides/slide19.xml><?xml version="1.0" encoding="utf-8"?>
 <p:sld xmlns:p="http://schemas.openxmlformats.org/presentationml/2006/main">
   <p:cSld>
     <p:spTree>
@@ -876,7 +930,60 @@
 </p:sld>
 </file>
 
-<file path=ppt/slides/slide19.xml><?xml version="1.0" encoding="utf-8"?>
+<file path=ppt/slides/slide2.xml><?xml version="1.0" encoding="utf-8"?>
+<p:sld xmlns:p="http://schemas.openxmlformats.org/presentationml/2006/main">
+  <p:cSld>
+    <p:spTree>
+      <p:nvGrpSpPr>
+        <p:cNvPr id="1" name="Hello, my name is Krishnapriya Sarojam."/>
+        <p:cNvGrpSpPr/>
+        <p:nvPr/>
+      </p:nvGrpSpPr>
+      <p:grpSpPr/>
+      <p:sp>
+        <p:nvSpPr>
+          <p:cNvPr id="2" name="Title"/>
+          <p:cNvSpPr>
+            <a:spLocks xmlns:a="http://schemas.openxmlformats.org/drawingml/2006/main" noGrp="1"/>
+          </p:cNvSpPr>
+          <p:nvPr>
+            <p:ph type="title"/>
+          </p:nvPr>
+        </p:nvSpPr>
+        <p:spPr/>
+        <p:txBody>
+          <a:bodyPr xmlns:a="http://schemas.openxmlformats.org/drawingml/2006/main"/>
+          <a:lstStyle xmlns:a="http://schemas.openxmlformats.org/drawingml/2006/main"/>
+          <a:p xmlns:a="http://schemas.openxmlformats.org/drawingml/2006/main">
+            <a:r>
+              <a:t>Hello, my name is Krishnapriya Sarojam.</a:t>
+            </a:r>
+          </a:p>
+        </p:txBody>
+      </p:sp>
+      <p:sp>
+        <p:nvSpPr>
+          <p:cNvPr id="3" name="Content Placeholder"/>
+          <p:cNvSpPr>
+            <a:spLocks xmlns:a="http://schemas.openxmlformats.org/drawingml/2006/main" noGrp="1"/>
+          </p:cNvSpPr>
+          <p:nvPr>
+            <p:ph idx="1"/>
+          </p:nvPr>
+        </p:nvSpPr>
+        <p:spPr/>
+        <p:txBody>
+          <a:bodyPr xmlns:a="http://schemas.openxmlformats.org/drawingml/2006/main"/>
+          <a:lstStyle xmlns:a="http://schemas.openxmlformats.org/drawingml/2006/main"/>
+          <a:p xmlns:a="http://schemas.openxmlformats.org/drawingml/2006/main"/>
+        </p:txBody>
+      </p:sp>
+    </p:spTree>
+  </p:cSld>
+</p:sld>
+</file>
+
+<file path=ppt/slides/slide20.xml><?xml version="1.0" encoding="utf-8"?>
 <p:sld xmlns:p="http://schemas.openxmlformats.org/presentationml/2006/main">
   <p:cSld>
     <p:spTree>
@@ -929,7 +1036,1014 @@
 </p:sld>
 </file>
 
-<file path=ppt/slides/slide2.xml><?xml version="1.0" encoding="utf-8"?>
+<file path=ppt/slides/slide21.xml><?xml version="1.0" encoding="utf-8"?>
+<p:sld xmlns:p="http://schemas.openxmlformats.org/presentationml/2006/main">
+  <p:cSld>
+    <p:spTree>
+      <p:nvGrpSpPr>
+        <p:cNvPr id="1" name="Hello, my name is Tugrul Goktas."/>
+        <p:cNvGrpSpPr/>
+        <p:nvPr/>
+      </p:nvGrpSpPr>
+      <p:grpSpPr/>
+      <p:sp>
+        <p:nvSpPr>
+          <p:cNvPr id="2" name="Title"/>
+          <p:cNvSpPr>
+            <a:spLocks xmlns:a="http://schemas.openxmlformats.org/drawingml/2006/main" noGrp="1"/>
+          </p:cNvSpPr>
+          <p:nvPr>
+            <p:ph type="title"/>
+          </p:nvPr>
+        </p:nvSpPr>
+        <p:spPr/>
+        <p:txBody>
+          <a:bodyPr xmlns:a="http://schemas.openxmlformats.org/drawingml/2006/main"/>
+          <a:lstStyle xmlns:a="http://schemas.openxmlformats.org/drawingml/2006/main"/>
+          <a:p xmlns:a="http://schemas.openxmlformats.org/drawingml/2006/main">
+            <a:r>
+              <a:t>Hello, my name is Tugrul Goktas.</a:t>
+            </a:r>
+          </a:p>
+        </p:txBody>
+      </p:sp>
+      <p:sp>
+        <p:nvSpPr>
+          <p:cNvPr id="3" name="Content Placeholder"/>
+          <p:cNvSpPr>
+            <a:spLocks xmlns:a="http://schemas.openxmlformats.org/drawingml/2006/main" noGrp="1"/>
+          </p:cNvSpPr>
+          <p:nvPr>
+            <p:ph idx="1"/>
+          </p:nvPr>
+        </p:nvSpPr>
+        <p:spPr/>
+        <p:txBody>
+          <a:bodyPr xmlns:a="http://schemas.openxmlformats.org/drawingml/2006/main"/>
+          <a:lstStyle xmlns:a="http://schemas.openxmlformats.org/drawingml/2006/main"/>
+          <a:p xmlns:a="http://schemas.openxmlformats.org/drawingml/2006/main"/>
+        </p:txBody>
+      </p:sp>
+    </p:spTree>
+  </p:cSld>
+</p:sld>
+</file>
+
+<file path=ppt/slides/slide22.xml><?xml version="1.0" encoding="utf-8"?>
+<p:sld xmlns:p="http://schemas.openxmlformats.org/presentationml/2006/main">
+  <p:cSld>
+    <p:spTree>
+      <p:nvGrpSpPr>
+        <p:cNvPr id="1" name="Hello, my name is Prajwal Katuwal."/>
+        <p:cNvGrpSpPr/>
+        <p:nvPr/>
+      </p:nvGrpSpPr>
+      <p:grpSpPr/>
+      <p:sp>
+        <p:nvSpPr>
+          <p:cNvPr id="2" name="Title"/>
+          <p:cNvSpPr>
+            <a:spLocks xmlns:a="http://schemas.openxmlformats.org/drawingml/2006/main" noGrp="1"/>
+          </p:cNvSpPr>
+          <p:nvPr>
+            <p:ph type="title"/>
+          </p:nvPr>
+        </p:nvSpPr>
+        <p:spPr/>
+        <p:txBody>
+          <a:bodyPr xmlns:a="http://schemas.openxmlformats.org/drawingml/2006/main"/>
+          <a:lstStyle xmlns:a="http://schemas.openxmlformats.org/drawingml/2006/main"/>
+          <a:p xmlns:a="http://schemas.openxmlformats.org/drawingml/2006/main">
+            <a:r>
+              <a:t>Hello, my name is Prajwal Katuwal.</a:t>
+            </a:r>
+          </a:p>
+        </p:txBody>
+      </p:sp>
+      <p:sp>
+        <p:nvSpPr>
+          <p:cNvPr id="3" name="Content Placeholder"/>
+          <p:cNvSpPr>
+            <a:spLocks xmlns:a="http://schemas.openxmlformats.org/drawingml/2006/main" noGrp="1"/>
+          </p:cNvSpPr>
+          <p:nvPr>
+            <p:ph idx="1"/>
+          </p:nvPr>
+        </p:nvSpPr>
+        <p:spPr/>
+        <p:txBody>
+          <a:bodyPr xmlns:a="http://schemas.openxmlformats.org/drawingml/2006/main"/>
+          <a:lstStyle xmlns:a="http://schemas.openxmlformats.org/drawingml/2006/main"/>
+          <a:p xmlns:a="http://schemas.openxmlformats.org/drawingml/2006/main"/>
+        </p:txBody>
+      </p:sp>
+    </p:spTree>
+  </p:cSld>
+</p:sld>
+</file>
+
+<file path=ppt/slides/slide23.xml><?xml version="1.0" encoding="utf-8"?>
+<p:sld xmlns:p="http://schemas.openxmlformats.org/presentationml/2006/main">
+  <p:cSld>
+    <p:spTree>
+      <p:nvGrpSpPr>
+        <p:cNvPr id="1" name="Hello, my name is Pavel Sazonov."/>
+        <p:cNvGrpSpPr/>
+        <p:nvPr/>
+      </p:nvGrpSpPr>
+      <p:grpSpPr/>
+      <p:sp>
+        <p:nvSpPr>
+          <p:cNvPr id="2" name="Title"/>
+          <p:cNvSpPr>
+            <a:spLocks xmlns:a="http://schemas.openxmlformats.org/drawingml/2006/main" noGrp="1"/>
+          </p:cNvSpPr>
+          <p:nvPr>
+            <p:ph type="title"/>
+          </p:nvPr>
+        </p:nvSpPr>
+        <p:spPr/>
+        <p:txBody>
+          <a:bodyPr xmlns:a="http://schemas.openxmlformats.org/drawingml/2006/main"/>
+          <a:lstStyle xmlns:a="http://schemas.openxmlformats.org/drawingml/2006/main"/>
+          <a:p xmlns:a="http://schemas.openxmlformats.org/drawingml/2006/main">
+            <a:r>
+              <a:t>Hello, my name is Pavel Sazonov.</a:t>
+            </a:r>
+          </a:p>
+        </p:txBody>
+      </p:sp>
+      <p:sp>
+        <p:nvSpPr>
+          <p:cNvPr id="3" name="Content Placeholder"/>
+          <p:cNvSpPr>
+            <a:spLocks xmlns:a="http://schemas.openxmlformats.org/drawingml/2006/main" noGrp="1"/>
+          </p:cNvSpPr>
+          <p:nvPr>
+            <p:ph idx="1"/>
+          </p:nvPr>
+        </p:nvSpPr>
+        <p:spPr/>
+        <p:txBody>
+          <a:bodyPr xmlns:a="http://schemas.openxmlformats.org/drawingml/2006/main"/>
+          <a:lstStyle xmlns:a="http://schemas.openxmlformats.org/drawingml/2006/main"/>
+          <a:p xmlns:a="http://schemas.openxmlformats.org/drawingml/2006/main"/>
+        </p:txBody>
+      </p:sp>
+    </p:spTree>
+  </p:cSld>
+</p:sld>
+</file>
+
+<file path=ppt/slides/slide24.xml><?xml version="1.0" encoding="utf-8"?>
+<p:sld xmlns:p="http://schemas.openxmlformats.org/presentationml/2006/main">
+  <p:cSld>
+    <p:spTree>
+      <p:nvGrpSpPr>
+        <p:cNvPr id="1" name="Hello, my name is swarnim sharma."/>
+        <p:cNvGrpSpPr/>
+        <p:nvPr/>
+      </p:nvGrpSpPr>
+      <p:grpSpPr/>
+      <p:sp>
+        <p:nvSpPr>
+          <p:cNvPr id="2" name="Title"/>
+          <p:cNvSpPr>
+            <a:spLocks xmlns:a="http://schemas.openxmlformats.org/drawingml/2006/main" noGrp="1"/>
+          </p:cNvSpPr>
+          <p:nvPr>
+            <p:ph type="title"/>
+          </p:nvPr>
+        </p:nvSpPr>
+        <p:spPr/>
+        <p:txBody>
+          <a:bodyPr xmlns:a="http://schemas.openxmlformats.org/drawingml/2006/main"/>
+          <a:lstStyle xmlns:a="http://schemas.openxmlformats.org/drawingml/2006/main"/>
+          <a:p xmlns:a="http://schemas.openxmlformats.org/drawingml/2006/main">
+            <a:r>
+              <a:t>Hello, my name is swarnim sharma.</a:t>
+            </a:r>
+          </a:p>
+        </p:txBody>
+      </p:sp>
+      <p:sp>
+        <p:nvSpPr>
+          <p:cNvPr id="3" name="Content Placeholder"/>
+          <p:cNvSpPr>
+            <a:spLocks xmlns:a="http://schemas.openxmlformats.org/drawingml/2006/main" noGrp="1"/>
+          </p:cNvSpPr>
+          <p:nvPr>
+            <p:ph idx="1"/>
+          </p:nvPr>
+        </p:nvSpPr>
+        <p:spPr/>
+        <p:txBody>
+          <a:bodyPr xmlns:a="http://schemas.openxmlformats.org/drawingml/2006/main"/>
+          <a:lstStyle xmlns:a="http://schemas.openxmlformats.org/drawingml/2006/main"/>
+          <a:p xmlns:a="http://schemas.openxmlformats.org/drawingml/2006/main"/>
+        </p:txBody>
+      </p:sp>
+    </p:spTree>
+  </p:cSld>
+</p:sld>
+</file>
+
+<file path=ppt/slides/slide25.xml><?xml version="1.0" encoding="utf-8"?>
+<p:sld xmlns:p="http://schemas.openxmlformats.org/presentationml/2006/main">
+  <p:cSld>
+    <p:spTree>
+      <p:nvGrpSpPr>
+        <p:cNvPr id="1" name="Hello, my name is Tugrul Goktas."/>
+        <p:cNvGrpSpPr/>
+        <p:nvPr/>
+      </p:nvGrpSpPr>
+      <p:grpSpPr/>
+      <p:sp>
+        <p:nvSpPr>
+          <p:cNvPr id="2" name="Title"/>
+          <p:cNvSpPr>
+            <a:spLocks xmlns:a="http://schemas.openxmlformats.org/drawingml/2006/main" noGrp="1"/>
+          </p:cNvSpPr>
+          <p:nvPr>
+            <p:ph type="title"/>
+          </p:nvPr>
+        </p:nvSpPr>
+        <p:spPr/>
+        <p:txBody>
+          <a:bodyPr xmlns:a="http://schemas.openxmlformats.org/drawingml/2006/main"/>
+          <a:lstStyle xmlns:a="http://schemas.openxmlformats.org/drawingml/2006/main"/>
+          <a:p xmlns:a="http://schemas.openxmlformats.org/drawingml/2006/main">
+            <a:r>
+              <a:t>Hello, my name is Tugrul Goktas.</a:t>
+            </a:r>
+          </a:p>
+        </p:txBody>
+      </p:sp>
+      <p:sp>
+        <p:nvSpPr>
+          <p:cNvPr id="3" name="Content Placeholder"/>
+          <p:cNvSpPr>
+            <a:spLocks xmlns:a="http://schemas.openxmlformats.org/drawingml/2006/main" noGrp="1"/>
+          </p:cNvSpPr>
+          <p:nvPr>
+            <p:ph idx="1"/>
+          </p:nvPr>
+        </p:nvSpPr>
+        <p:spPr/>
+        <p:txBody>
+          <a:bodyPr xmlns:a="http://schemas.openxmlformats.org/drawingml/2006/main"/>
+          <a:lstStyle xmlns:a="http://schemas.openxmlformats.org/drawingml/2006/main"/>
+          <a:p xmlns:a="http://schemas.openxmlformats.org/drawingml/2006/main"/>
+        </p:txBody>
+      </p:sp>
+    </p:spTree>
+  </p:cSld>
+</p:sld>
+</file>
+
+<file path=ppt/slides/slide26.xml><?xml version="1.0" encoding="utf-8"?>
+<p:sld xmlns:p="http://schemas.openxmlformats.org/presentationml/2006/main">
+  <p:cSld>
+    <p:spTree>
+      <p:nvGrpSpPr>
+        <p:cNvPr id="1" name="Hello, my name is Jay Kalal."/>
+        <p:cNvGrpSpPr/>
+        <p:nvPr/>
+      </p:nvGrpSpPr>
+      <p:grpSpPr/>
+      <p:sp>
+        <p:nvSpPr>
+          <p:cNvPr id="2" name="Title"/>
+          <p:cNvSpPr>
+            <a:spLocks xmlns:a="http://schemas.openxmlformats.org/drawingml/2006/main" noGrp="1"/>
+          </p:cNvSpPr>
+          <p:nvPr>
+            <p:ph type="title"/>
+          </p:nvPr>
+        </p:nvSpPr>
+        <p:spPr/>
+        <p:txBody>
+          <a:bodyPr xmlns:a="http://schemas.openxmlformats.org/drawingml/2006/main"/>
+          <a:lstStyle xmlns:a="http://schemas.openxmlformats.org/drawingml/2006/main"/>
+          <a:p xmlns:a="http://schemas.openxmlformats.org/drawingml/2006/main">
+            <a:r>
+              <a:t>Hello, my name is Jay Kalal.</a:t>
+            </a:r>
+          </a:p>
+        </p:txBody>
+      </p:sp>
+      <p:sp>
+        <p:nvSpPr>
+          <p:cNvPr id="3" name="Content Placeholder"/>
+          <p:cNvSpPr>
+            <a:spLocks xmlns:a="http://schemas.openxmlformats.org/drawingml/2006/main" noGrp="1"/>
+          </p:cNvSpPr>
+          <p:nvPr>
+            <p:ph idx="1"/>
+          </p:nvPr>
+        </p:nvSpPr>
+        <p:spPr/>
+        <p:txBody>
+          <a:bodyPr xmlns:a="http://schemas.openxmlformats.org/drawingml/2006/main"/>
+          <a:lstStyle xmlns:a="http://schemas.openxmlformats.org/drawingml/2006/main"/>
+          <a:p xmlns:a="http://schemas.openxmlformats.org/drawingml/2006/main"/>
+        </p:txBody>
+      </p:sp>
+    </p:spTree>
+  </p:cSld>
+</p:sld>
+</file>
+
+<file path=ppt/slides/slide27.xml><?xml version="1.0" encoding="utf-8"?>
+<p:sld xmlns:p="http://schemas.openxmlformats.org/presentationml/2006/main">
+  <p:cSld>
+    <p:spTree>
+      <p:nvGrpSpPr>
+        <p:cNvPr id="1" name="Hello, my name is HemaAbhinandu Kotha."/>
+        <p:cNvGrpSpPr/>
+        <p:nvPr/>
+      </p:nvGrpSpPr>
+      <p:grpSpPr/>
+      <p:sp>
+        <p:nvSpPr>
+          <p:cNvPr id="2" name="Title"/>
+          <p:cNvSpPr>
+            <a:spLocks xmlns:a="http://schemas.openxmlformats.org/drawingml/2006/main" noGrp="1"/>
+          </p:cNvSpPr>
+          <p:nvPr>
+            <p:ph type="title"/>
+          </p:nvPr>
+        </p:nvSpPr>
+        <p:spPr/>
+        <p:txBody>
+          <a:bodyPr xmlns:a="http://schemas.openxmlformats.org/drawingml/2006/main"/>
+          <a:lstStyle xmlns:a="http://schemas.openxmlformats.org/drawingml/2006/main"/>
+          <a:p xmlns:a="http://schemas.openxmlformats.org/drawingml/2006/main">
+            <a:r>
+              <a:t>Hello, my name is HemaAbhinandu Kotha.</a:t>
+            </a:r>
+          </a:p>
+        </p:txBody>
+      </p:sp>
+      <p:sp>
+        <p:nvSpPr>
+          <p:cNvPr id="3" name="Content Placeholder"/>
+          <p:cNvSpPr>
+            <a:spLocks xmlns:a="http://schemas.openxmlformats.org/drawingml/2006/main" noGrp="1"/>
+          </p:cNvSpPr>
+          <p:nvPr>
+            <p:ph idx="1"/>
+          </p:nvPr>
+        </p:nvSpPr>
+        <p:spPr/>
+        <p:txBody>
+          <a:bodyPr xmlns:a="http://schemas.openxmlformats.org/drawingml/2006/main"/>
+          <a:lstStyle xmlns:a="http://schemas.openxmlformats.org/drawingml/2006/main"/>
+          <a:p xmlns:a="http://schemas.openxmlformats.org/drawingml/2006/main"/>
+        </p:txBody>
+      </p:sp>
+    </p:spTree>
+  </p:cSld>
+</p:sld>
+</file>
+
+<file path=ppt/slides/slide28.xml><?xml version="1.0" encoding="utf-8"?>
+<p:sld xmlns:p="http://schemas.openxmlformats.org/presentationml/2006/main">
+  <p:cSld>
+    <p:spTree>
+      <p:nvGrpSpPr>
+        <p:cNvPr id="1" name="Hello, my name is AkhilDas PradeepKumar."/>
+        <p:cNvGrpSpPr/>
+        <p:nvPr/>
+      </p:nvGrpSpPr>
+      <p:grpSpPr/>
+      <p:sp>
+        <p:nvSpPr>
+          <p:cNvPr id="2" name="Title"/>
+          <p:cNvSpPr>
+            <a:spLocks xmlns:a="http://schemas.openxmlformats.org/drawingml/2006/main" noGrp="1"/>
+          </p:cNvSpPr>
+          <p:nvPr>
+            <p:ph type="title"/>
+          </p:nvPr>
+        </p:nvSpPr>
+        <p:spPr/>
+        <p:txBody>
+          <a:bodyPr xmlns:a="http://schemas.openxmlformats.org/drawingml/2006/main"/>
+          <a:lstStyle xmlns:a="http://schemas.openxmlformats.org/drawingml/2006/main"/>
+          <a:p xmlns:a="http://schemas.openxmlformats.org/drawingml/2006/main">
+            <a:r>
+              <a:t>Hello, my name is AkhilDas PradeepKumar.</a:t>
+            </a:r>
+          </a:p>
+        </p:txBody>
+      </p:sp>
+      <p:sp>
+        <p:nvSpPr>
+          <p:cNvPr id="3" name="Content Placeholder"/>
+          <p:cNvSpPr>
+            <a:spLocks xmlns:a="http://schemas.openxmlformats.org/drawingml/2006/main" noGrp="1"/>
+          </p:cNvSpPr>
+          <p:nvPr>
+            <p:ph idx="1"/>
+          </p:nvPr>
+        </p:nvSpPr>
+        <p:spPr/>
+        <p:txBody>
+          <a:bodyPr xmlns:a="http://schemas.openxmlformats.org/drawingml/2006/main"/>
+          <a:lstStyle xmlns:a="http://schemas.openxmlformats.org/drawingml/2006/main"/>
+          <a:p xmlns:a="http://schemas.openxmlformats.org/drawingml/2006/main"/>
+        </p:txBody>
+      </p:sp>
+    </p:spTree>
+  </p:cSld>
+</p:sld>
+</file>
+
+<file path=ppt/slides/slide29.xml><?xml version="1.0" encoding="utf-8"?>
+<p:sld xmlns:p="http://schemas.openxmlformats.org/presentationml/2006/main">
+  <p:cSld>
+    <p:spTree>
+      <p:nvGrpSpPr>
+        <p:cNvPr id="1" name="Hello, my name is Swathi Palavalli."/>
+        <p:cNvGrpSpPr/>
+        <p:nvPr/>
+      </p:nvGrpSpPr>
+      <p:grpSpPr/>
+      <p:sp>
+        <p:nvSpPr>
+          <p:cNvPr id="2" name="Title"/>
+          <p:cNvSpPr>
+            <a:spLocks xmlns:a="http://schemas.openxmlformats.org/drawingml/2006/main" noGrp="1"/>
+          </p:cNvSpPr>
+          <p:nvPr>
+            <p:ph type="title"/>
+          </p:nvPr>
+        </p:nvSpPr>
+        <p:spPr/>
+        <p:txBody>
+          <a:bodyPr xmlns:a="http://schemas.openxmlformats.org/drawingml/2006/main"/>
+          <a:lstStyle xmlns:a="http://schemas.openxmlformats.org/drawingml/2006/main"/>
+          <a:p xmlns:a="http://schemas.openxmlformats.org/drawingml/2006/main">
+            <a:r>
+              <a:t>Hello, my name is Swathi Palavalli.</a:t>
+            </a:r>
+          </a:p>
+        </p:txBody>
+      </p:sp>
+      <p:sp>
+        <p:nvSpPr>
+          <p:cNvPr id="3" name="Content Placeholder"/>
+          <p:cNvSpPr>
+            <a:spLocks xmlns:a="http://schemas.openxmlformats.org/drawingml/2006/main" noGrp="1"/>
+          </p:cNvSpPr>
+          <p:nvPr>
+            <p:ph idx="1"/>
+          </p:nvPr>
+        </p:nvSpPr>
+        <p:spPr/>
+        <p:txBody>
+          <a:bodyPr xmlns:a="http://schemas.openxmlformats.org/drawingml/2006/main"/>
+          <a:lstStyle xmlns:a="http://schemas.openxmlformats.org/drawingml/2006/main"/>
+          <a:p xmlns:a="http://schemas.openxmlformats.org/drawingml/2006/main"/>
+        </p:txBody>
+      </p:sp>
+    </p:spTree>
+  </p:cSld>
+</p:sld>
+</file>
+
+<file path=ppt/slides/slide3.xml><?xml version="1.0" encoding="utf-8"?>
+<p:sld xmlns:p="http://schemas.openxmlformats.org/presentationml/2006/main">
+  <p:cSld>
+    <p:spTree>
+      <p:nvGrpSpPr>
+        <p:cNvPr id="1" name="Hello, my name is Chris Dyck."/>
+        <p:cNvGrpSpPr/>
+        <p:nvPr/>
+      </p:nvGrpSpPr>
+      <p:grpSpPr/>
+      <p:sp>
+        <p:nvSpPr>
+          <p:cNvPr id="2" name="Title"/>
+          <p:cNvSpPr>
+            <a:spLocks xmlns:a="http://schemas.openxmlformats.org/drawingml/2006/main" noGrp="1"/>
+          </p:cNvSpPr>
+          <p:nvPr>
+            <p:ph type="title"/>
+          </p:nvPr>
+        </p:nvSpPr>
+        <p:spPr/>
+        <p:txBody>
+          <a:bodyPr xmlns:a="http://schemas.openxmlformats.org/drawingml/2006/main"/>
+          <a:lstStyle xmlns:a="http://schemas.openxmlformats.org/drawingml/2006/main"/>
+          <a:p xmlns:a="http://schemas.openxmlformats.org/drawingml/2006/main">
+            <a:r>
+              <a:t>Hello, my name is Chris Dyck.</a:t>
+            </a:r>
+          </a:p>
+        </p:txBody>
+      </p:sp>
+      <p:sp>
+        <p:nvSpPr>
+          <p:cNvPr id="3" name="Content Placeholder"/>
+          <p:cNvSpPr>
+            <a:spLocks xmlns:a="http://schemas.openxmlformats.org/drawingml/2006/main" noGrp="1"/>
+          </p:cNvSpPr>
+          <p:nvPr>
+            <p:ph idx="1"/>
+          </p:nvPr>
+        </p:nvSpPr>
+        <p:spPr/>
+        <p:txBody>
+          <a:bodyPr xmlns:a="http://schemas.openxmlformats.org/drawingml/2006/main"/>
+          <a:lstStyle xmlns:a="http://schemas.openxmlformats.org/drawingml/2006/main"/>
+          <a:p xmlns:a="http://schemas.openxmlformats.org/drawingml/2006/main"/>
+        </p:txBody>
+      </p:sp>
+    </p:spTree>
+  </p:cSld>
+</p:sld>
+</file>
+
+<file path=ppt/slides/slide30.xml><?xml version="1.0" encoding="utf-8"?>
+<p:sld xmlns:p="http://schemas.openxmlformats.org/presentationml/2006/main">
+  <p:cSld>
+    <p:spTree>
+      <p:nvGrpSpPr>
+        <p:cNvPr id="1" name="Hello, my name is KavirajSingh Jon."/>
+        <p:cNvGrpSpPr/>
+        <p:nvPr/>
+      </p:nvGrpSpPr>
+      <p:grpSpPr/>
+      <p:sp>
+        <p:nvSpPr>
+          <p:cNvPr id="2" name="Title"/>
+          <p:cNvSpPr>
+            <a:spLocks xmlns:a="http://schemas.openxmlformats.org/drawingml/2006/main" noGrp="1"/>
+          </p:cNvSpPr>
+          <p:nvPr>
+            <p:ph type="title"/>
+          </p:nvPr>
+        </p:nvSpPr>
+        <p:spPr/>
+        <p:txBody>
+          <a:bodyPr xmlns:a="http://schemas.openxmlformats.org/drawingml/2006/main"/>
+          <a:lstStyle xmlns:a="http://schemas.openxmlformats.org/drawingml/2006/main"/>
+          <a:p xmlns:a="http://schemas.openxmlformats.org/drawingml/2006/main">
+            <a:r>
+              <a:t>Hello, my name is KavirajSingh Jon.</a:t>
+            </a:r>
+          </a:p>
+        </p:txBody>
+      </p:sp>
+      <p:sp>
+        <p:nvSpPr>
+          <p:cNvPr id="3" name="Content Placeholder"/>
+          <p:cNvSpPr>
+            <a:spLocks xmlns:a="http://schemas.openxmlformats.org/drawingml/2006/main" noGrp="1"/>
+          </p:cNvSpPr>
+          <p:nvPr>
+            <p:ph idx="1"/>
+          </p:nvPr>
+        </p:nvSpPr>
+        <p:spPr/>
+        <p:txBody>
+          <a:bodyPr xmlns:a="http://schemas.openxmlformats.org/drawingml/2006/main"/>
+          <a:lstStyle xmlns:a="http://schemas.openxmlformats.org/drawingml/2006/main"/>
+          <a:p xmlns:a="http://schemas.openxmlformats.org/drawingml/2006/main"/>
+        </p:txBody>
+      </p:sp>
+    </p:spTree>
+  </p:cSld>
+</p:sld>
+</file>
+
+<file path=ppt/slides/slide31.xml><?xml version="1.0" encoding="utf-8"?>
+<p:sld xmlns:p="http://schemas.openxmlformats.org/presentationml/2006/main">
+  <p:cSld>
+    <p:spTree>
+      <p:nvGrpSpPr>
+        <p:cNvPr id="1" name="Hello, my name is Althaf Edathara."/>
+        <p:cNvGrpSpPr/>
+        <p:nvPr/>
+      </p:nvGrpSpPr>
+      <p:grpSpPr/>
+      <p:sp>
+        <p:nvSpPr>
+          <p:cNvPr id="2" name="Title"/>
+          <p:cNvSpPr>
+            <a:spLocks xmlns:a="http://schemas.openxmlformats.org/drawingml/2006/main" noGrp="1"/>
+          </p:cNvSpPr>
+          <p:nvPr>
+            <p:ph type="title"/>
+          </p:nvPr>
+        </p:nvSpPr>
+        <p:spPr/>
+        <p:txBody>
+          <a:bodyPr xmlns:a="http://schemas.openxmlformats.org/drawingml/2006/main"/>
+          <a:lstStyle xmlns:a="http://schemas.openxmlformats.org/drawingml/2006/main"/>
+          <a:p xmlns:a="http://schemas.openxmlformats.org/drawingml/2006/main">
+            <a:r>
+              <a:t>Hello, my name is Althaf Edathara.</a:t>
+            </a:r>
+          </a:p>
+        </p:txBody>
+      </p:sp>
+      <p:sp>
+        <p:nvSpPr>
+          <p:cNvPr id="3" name="Content Placeholder"/>
+          <p:cNvSpPr>
+            <a:spLocks xmlns:a="http://schemas.openxmlformats.org/drawingml/2006/main" noGrp="1"/>
+          </p:cNvSpPr>
+          <p:nvPr>
+            <p:ph idx="1"/>
+          </p:nvPr>
+        </p:nvSpPr>
+        <p:spPr/>
+        <p:txBody>
+          <a:bodyPr xmlns:a="http://schemas.openxmlformats.org/drawingml/2006/main"/>
+          <a:lstStyle xmlns:a="http://schemas.openxmlformats.org/drawingml/2006/main"/>
+          <a:p xmlns:a="http://schemas.openxmlformats.org/drawingml/2006/main"/>
+        </p:txBody>
+      </p:sp>
+    </p:spTree>
+  </p:cSld>
+</p:sld>
+</file>
+
+<file path=ppt/slides/slide32.xml><?xml version="1.0" encoding="utf-8"?>
+<p:sld xmlns:p="http://schemas.openxmlformats.org/presentationml/2006/main">
+  <p:cSld>
+    <p:spTree>
+      <p:nvGrpSpPr>
+        <p:cNvPr id="1" name="Hello, my name is Nipin Dasani."/>
+        <p:cNvGrpSpPr/>
+        <p:nvPr/>
+      </p:nvGrpSpPr>
+      <p:grpSpPr/>
+      <p:sp>
+        <p:nvSpPr>
+          <p:cNvPr id="2" name="Title"/>
+          <p:cNvSpPr>
+            <a:spLocks xmlns:a="http://schemas.openxmlformats.org/drawingml/2006/main" noGrp="1"/>
+          </p:cNvSpPr>
+          <p:nvPr>
+            <p:ph type="title"/>
+          </p:nvPr>
+        </p:nvSpPr>
+        <p:spPr/>
+        <p:txBody>
+          <a:bodyPr xmlns:a="http://schemas.openxmlformats.org/drawingml/2006/main"/>
+          <a:lstStyle xmlns:a="http://schemas.openxmlformats.org/drawingml/2006/main"/>
+          <a:p xmlns:a="http://schemas.openxmlformats.org/drawingml/2006/main">
+            <a:r>
+              <a:t>Hello, my name is Nipin Dasani.</a:t>
+            </a:r>
+          </a:p>
+        </p:txBody>
+      </p:sp>
+      <p:sp>
+        <p:nvSpPr>
+          <p:cNvPr id="3" name="Content Placeholder"/>
+          <p:cNvSpPr>
+            <a:spLocks xmlns:a="http://schemas.openxmlformats.org/drawingml/2006/main" noGrp="1"/>
+          </p:cNvSpPr>
+          <p:nvPr>
+            <p:ph idx="1"/>
+          </p:nvPr>
+        </p:nvSpPr>
+        <p:spPr/>
+        <p:txBody>
+          <a:bodyPr xmlns:a="http://schemas.openxmlformats.org/drawingml/2006/main"/>
+          <a:lstStyle xmlns:a="http://schemas.openxmlformats.org/drawingml/2006/main"/>
+          <a:p xmlns:a="http://schemas.openxmlformats.org/drawingml/2006/main"/>
+        </p:txBody>
+      </p:sp>
+    </p:spTree>
+  </p:cSld>
+</p:sld>
+</file>
+
+<file path=ppt/slides/slide33.xml><?xml version="1.0" encoding="utf-8"?>
+<p:sld xmlns:p="http://schemas.openxmlformats.org/presentationml/2006/main">
+  <p:cSld>
+    <p:spTree>
+      <p:nvGrpSpPr>
+        <p:cNvPr id="1" name="Hello, my name is Avi Saini."/>
+        <p:cNvGrpSpPr/>
+        <p:nvPr/>
+      </p:nvGrpSpPr>
+      <p:grpSpPr/>
+      <p:sp>
+        <p:nvSpPr>
+          <p:cNvPr id="2" name="Title"/>
+          <p:cNvSpPr>
+            <a:spLocks xmlns:a="http://schemas.openxmlformats.org/drawingml/2006/main" noGrp="1"/>
+          </p:cNvSpPr>
+          <p:nvPr>
+            <p:ph type="title"/>
+          </p:nvPr>
+        </p:nvSpPr>
+        <p:spPr/>
+        <p:txBody>
+          <a:bodyPr xmlns:a="http://schemas.openxmlformats.org/drawingml/2006/main"/>
+          <a:lstStyle xmlns:a="http://schemas.openxmlformats.org/drawingml/2006/main"/>
+          <a:p xmlns:a="http://schemas.openxmlformats.org/drawingml/2006/main">
+            <a:r>
+              <a:t>Hello, my name is Avi Saini.</a:t>
+            </a:r>
+          </a:p>
+        </p:txBody>
+      </p:sp>
+      <p:sp>
+        <p:nvSpPr>
+          <p:cNvPr id="3" name="Content Placeholder"/>
+          <p:cNvSpPr>
+            <a:spLocks xmlns:a="http://schemas.openxmlformats.org/drawingml/2006/main" noGrp="1"/>
+          </p:cNvSpPr>
+          <p:nvPr>
+            <p:ph idx="1"/>
+          </p:nvPr>
+        </p:nvSpPr>
+        <p:spPr/>
+        <p:txBody>
+          <a:bodyPr xmlns:a="http://schemas.openxmlformats.org/drawingml/2006/main"/>
+          <a:lstStyle xmlns:a="http://schemas.openxmlformats.org/drawingml/2006/main"/>
+          <a:p xmlns:a="http://schemas.openxmlformats.org/drawingml/2006/main"/>
+        </p:txBody>
+      </p:sp>
+    </p:spTree>
+  </p:cSld>
+</p:sld>
+</file>
+
+<file path=ppt/slides/slide34.xml><?xml version="1.0" encoding="utf-8"?>
+<p:sld xmlns:p="http://schemas.openxmlformats.org/presentationml/2006/main">
+  <p:cSld>
+    <p:spTree>
+      <p:nvGrpSpPr>
+        <p:cNvPr id="1" name="Hello, my name is Kashish Jhaveri."/>
+        <p:cNvGrpSpPr/>
+        <p:nvPr/>
+      </p:nvGrpSpPr>
+      <p:grpSpPr/>
+      <p:sp>
+        <p:nvSpPr>
+          <p:cNvPr id="2" name="Title"/>
+          <p:cNvSpPr>
+            <a:spLocks xmlns:a="http://schemas.openxmlformats.org/drawingml/2006/main" noGrp="1"/>
+          </p:cNvSpPr>
+          <p:nvPr>
+            <p:ph type="title"/>
+          </p:nvPr>
+        </p:nvSpPr>
+        <p:spPr/>
+        <p:txBody>
+          <a:bodyPr xmlns:a="http://schemas.openxmlformats.org/drawingml/2006/main"/>
+          <a:lstStyle xmlns:a="http://schemas.openxmlformats.org/drawingml/2006/main"/>
+          <a:p xmlns:a="http://schemas.openxmlformats.org/drawingml/2006/main">
+            <a:r>
+              <a:t>Hello, my name is Kashish Jhaveri.</a:t>
+            </a:r>
+          </a:p>
+        </p:txBody>
+      </p:sp>
+      <p:sp>
+        <p:nvSpPr>
+          <p:cNvPr id="3" name="Content Placeholder"/>
+          <p:cNvSpPr>
+            <a:spLocks xmlns:a="http://schemas.openxmlformats.org/drawingml/2006/main" noGrp="1"/>
+          </p:cNvSpPr>
+          <p:nvPr>
+            <p:ph idx="1"/>
+          </p:nvPr>
+        </p:nvSpPr>
+        <p:spPr/>
+        <p:txBody>
+          <a:bodyPr xmlns:a="http://schemas.openxmlformats.org/drawingml/2006/main"/>
+          <a:lstStyle xmlns:a="http://schemas.openxmlformats.org/drawingml/2006/main"/>
+          <a:p xmlns:a="http://schemas.openxmlformats.org/drawingml/2006/main"/>
+        </p:txBody>
+      </p:sp>
+    </p:spTree>
+  </p:cSld>
+</p:sld>
+</file>
+
+<file path=ppt/slides/slide35.xml><?xml version="1.0" encoding="utf-8"?>
+<p:sld xmlns:p="http://schemas.openxmlformats.org/presentationml/2006/main">
+  <p:cSld>
+    <p:spTree>
+      <p:nvGrpSpPr>
+        <p:cNvPr id="1" name="Hello, my name is Robert Routledge."/>
+        <p:cNvGrpSpPr/>
+        <p:nvPr/>
+      </p:nvGrpSpPr>
+      <p:grpSpPr/>
+      <p:sp>
+        <p:nvSpPr>
+          <p:cNvPr id="2" name="Title"/>
+          <p:cNvSpPr>
+            <a:spLocks xmlns:a="http://schemas.openxmlformats.org/drawingml/2006/main" noGrp="1"/>
+          </p:cNvSpPr>
+          <p:nvPr>
+            <p:ph type="title"/>
+          </p:nvPr>
+        </p:nvSpPr>
+        <p:spPr/>
+        <p:txBody>
+          <a:bodyPr xmlns:a="http://schemas.openxmlformats.org/drawingml/2006/main"/>
+          <a:lstStyle xmlns:a="http://schemas.openxmlformats.org/drawingml/2006/main"/>
+          <a:p xmlns:a="http://schemas.openxmlformats.org/drawingml/2006/main">
+            <a:r>
+              <a:t>Hello, my name is Robert Routledge.</a:t>
+            </a:r>
+          </a:p>
+        </p:txBody>
+      </p:sp>
+      <p:sp>
+        <p:nvSpPr>
+          <p:cNvPr id="3" name="Content Placeholder"/>
+          <p:cNvSpPr>
+            <a:spLocks xmlns:a="http://schemas.openxmlformats.org/drawingml/2006/main" noGrp="1"/>
+          </p:cNvSpPr>
+          <p:nvPr>
+            <p:ph idx="1"/>
+          </p:nvPr>
+        </p:nvSpPr>
+        <p:spPr/>
+        <p:txBody>
+          <a:bodyPr xmlns:a="http://schemas.openxmlformats.org/drawingml/2006/main"/>
+          <a:lstStyle xmlns:a="http://schemas.openxmlformats.org/drawingml/2006/main"/>
+          <a:p xmlns:a="http://schemas.openxmlformats.org/drawingml/2006/main"/>
+        </p:txBody>
+      </p:sp>
+    </p:spTree>
+  </p:cSld>
+</p:sld>
+</file>
+
+<file path=ppt/slides/slide36.xml><?xml version="1.0" encoding="utf-8"?>
+<p:sld xmlns:p="http://schemas.openxmlformats.org/presentationml/2006/main">
+  <p:cSld>
+    <p:spTree>
+      <p:nvGrpSpPr>
+        <p:cNvPr id="1" name="Hello, my name is Sahiba Sachdeva."/>
+        <p:cNvGrpSpPr/>
+        <p:nvPr/>
+      </p:nvGrpSpPr>
+      <p:grpSpPr/>
+      <p:sp>
+        <p:nvSpPr>
+          <p:cNvPr id="2" name="Title"/>
+          <p:cNvSpPr>
+            <a:spLocks xmlns:a="http://schemas.openxmlformats.org/drawingml/2006/main" noGrp="1"/>
+          </p:cNvSpPr>
+          <p:nvPr>
+            <p:ph type="title"/>
+          </p:nvPr>
+        </p:nvSpPr>
+        <p:spPr/>
+        <p:txBody>
+          <a:bodyPr xmlns:a="http://schemas.openxmlformats.org/drawingml/2006/main"/>
+          <a:lstStyle xmlns:a="http://schemas.openxmlformats.org/drawingml/2006/main"/>
+          <a:p xmlns:a="http://schemas.openxmlformats.org/drawingml/2006/main">
+            <a:r>
+              <a:t>Hello, my name is Sahiba Sachdeva.</a:t>
+            </a:r>
+          </a:p>
+        </p:txBody>
+      </p:sp>
+      <p:sp>
+        <p:nvSpPr>
+          <p:cNvPr id="3" name="Content Placeholder"/>
+          <p:cNvSpPr>
+            <a:spLocks xmlns:a="http://schemas.openxmlformats.org/drawingml/2006/main" noGrp="1"/>
+          </p:cNvSpPr>
+          <p:nvPr>
+            <p:ph idx="1"/>
+          </p:nvPr>
+        </p:nvSpPr>
+        <p:spPr/>
+        <p:txBody>
+          <a:bodyPr xmlns:a="http://schemas.openxmlformats.org/drawingml/2006/main"/>
+          <a:lstStyle xmlns:a="http://schemas.openxmlformats.org/drawingml/2006/main"/>
+          <a:p xmlns:a="http://schemas.openxmlformats.org/drawingml/2006/main"/>
+        </p:txBody>
+      </p:sp>
+    </p:spTree>
+  </p:cSld>
+</p:sld>
+</file>
+
+<file path=ppt/slides/slide37.xml><?xml version="1.0" encoding="utf-8"?>
+<p:sld xmlns:p="http://schemas.openxmlformats.org/presentationml/2006/main">
+  <p:cSld>
+    <p:spTree>
+      <p:nvGrpSpPr>
+        <p:cNvPr id="1" name="Hello, my name is Sofiya Raju."/>
+        <p:cNvGrpSpPr/>
+        <p:nvPr/>
+      </p:nvGrpSpPr>
+      <p:grpSpPr/>
+      <p:sp>
+        <p:nvSpPr>
+          <p:cNvPr id="2" name="Title"/>
+          <p:cNvSpPr>
+            <a:spLocks xmlns:a="http://schemas.openxmlformats.org/drawingml/2006/main" noGrp="1"/>
+          </p:cNvSpPr>
+          <p:nvPr>
+            <p:ph type="title"/>
+          </p:nvPr>
+        </p:nvSpPr>
+        <p:spPr/>
+        <p:txBody>
+          <a:bodyPr xmlns:a="http://schemas.openxmlformats.org/drawingml/2006/main"/>
+          <a:lstStyle xmlns:a="http://schemas.openxmlformats.org/drawingml/2006/main"/>
+          <a:p xmlns:a="http://schemas.openxmlformats.org/drawingml/2006/main">
+            <a:r>
+              <a:t>Hello, my name is Sofiya Raju.</a:t>
+            </a:r>
+          </a:p>
+        </p:txBody>
+      </p:sp>
+      <p:sp>
+        <p:nvSpPr>
+          <p:cNvPr id="3" name="Content Placeholder"/>
+          <p:cNvSpPr>
+            <a:spLocks xmlns:a="http://schemas.openxmlformats.org/drawingml/2006/main" noGrp="1"/>
+          </p:cNvSpPr>
+          <p:nvPr>
+            <p:ph idx="1"/>
+          </p:nvPr>
+        </p:nvSpPr>
+        <p:spPr/>
+        <p:txBody>
+          <a:bodyPr xmlns:a="http://schemas.openxmlformats.org/drawingml/2006/main"/>
+          <a:lstStyle xmlns:a="http://schemas.openxmlformats.org/drawingml/2006/main"/>
+          <a:p xmlns:a="http://schemas.openxmlformats.org/drawingml/2006/main"/>
+        </p:txBody>
+      </p:sp>
+    </p:spTree>
+  </p:cSld>
+</p:sld>
+</file>
+
+<file path=ppt/slides/slide38.xml><?xml version="1.0" encoding="utf-8"?>
+<p:sld xmlns:p="http://schemas.openxmlformats.org/presentationml/2006/main">
+  <p:cSld>
+    <p:spTree>
+      <p:nvGrpSpPr>
+        <p:cNvPr id="1" name="Hello, my name is Sony Varghese."/>
+        <p:cNvGrpSpPr/>
+        <p:nvPr/>
+      </p:nvGrpSpPr>
+      <p:grpSpPr/>
+      <p:sp>
+        <p:nvSpPr>
+          <p:cNvPr id="2" name="Title"/>
+          <p:cNvSpPr>
+            <a:spLocks xmlns:a="http://schemas.openxmlformats.org/drawingml/2006/main" noGrp="1"/>
+          </p:cNvSpPr>
+          <p:nvPr>
+            <p:ph type="title"/>
+          </p:nvPr>
+        </p:nvSpPr>
+        <p:spPr/>
+        <p:txBody>
+          <a:bodyPr xmlns:a="http://schemas.openxmlformats.org/drawingml/2006/main"/>
+          <a:lstStyle xmlns:a="http://schemas.openxmlformats.org/drawingml/2006/main"/>
+          <a:p xmlns:a="http://schemas.openxmlformats.org/drawingml/2006/main">
+            <a:r>
+              <a:t>Hello, my name is Sony Varghese.</a:t>
+            </a:r>
+          </a:p>
+        </p:txBody>
+      </p:sp>
+      <p:sp>
+        <p:nvSpPr>
+          <p:cNvPr id="3" name="Content Placeholder"/>
+          <p:cNvSpPr>
+            <a:spLocks xmlns:a="http://schemas.openxmlformats.org/drawingml/2006/main" noGrp="1"/>
+          </p:cNvSpPr>
+          <p:nvPr>
+            <p:ph idx="1"/>
+          </p:nvPr>
+        </p:nvSpPr>
+        <p:spPr/>
+        <p:txBody>
+          <a:bodyPr xmlns:a="http://schemas.openxmlformats.org/drawingml/2006/main"/>
+          <a:lstStyle xmlns:a="http://schemas.openxmlformats.org/drawingml/2006/main"/>
+          <a:p xmlns:a="http://schemas.openxmlformats.org/drawingml/2006/main"/>
+        </p:txBody>
+      </p:sp>
+    </p:spTree>
+  </p:cSld>
+</p:sld>
+</file>
+
+<file path=ppt/slides/slide39.xml><?xml version="1.0" encoding="utf-8"?>
 <p:sld xmlns:p="http://schemas.openxmlformats.org/presentationml/2006/main">
   <p:cSld>
     <p:spTree>
@@ -982,1067 +2096,60 @@
 </p:sld>
 </file>
 
-<file path=ppt/slides/slide20.xml><?xml version="1.0" encoding="utf-8"?>
-<p:sld xmlns:p="http://schemas.openxmlformats.org/presentationml/2006/main">
-  <p:cSld>
-    <p:spTree>
-      <p:nvGrpSpPr>
-        <p:cNvPr id="1" name="Hello, my name is Tugrul Goktas."/>
-        <p:cNvGrpSpPr/>
-        <p:nvPr/>
-      </p:nvGrpSpPr>
-      <p:grpSpPr/>
-      <p:sp>
-        <p:nvSpPr>
-          <p:cNvPr id="2" name="Title"/>
-          <p:cNvSpPr>
-            <a:spLocks xmlns:a="http://schemas.openxmlformats.org/drawingml/2006/main" noGrp="1"/>
-          </p:cNvSpPr>
-          <p:nvPr>
-            <p:ph type="title"/>
-          </p:nvPr>
-        </p:nvSpPr>
-        <p:spPr/>
-        <p:txBody>
-          <a:bodyPr xmlns:a="http://schemas.openxmlformats.org/drawingml/2006/main"/>
-          <a:lstStyle xmlns:a="http://schemas.openxmlformats.org/drawingml/2006/main"/>
-          <a:p xmlns:a="http://schemas.openxmlformats.org/drawingml/2006/main">
-            <a:r>
-              <a:t>Hello, my name is Tugrul Goktas.</a:t>
-            </a:r>
-          </a:p>
-        </p:txBody>
-      </p:sp>
-      <p:sp>
-        <p:nvSpPr>
-          <p:cNvPr id="3" name="Content Placeholder"/>
-          <p:cNvSpPr>
-            <a:spLocks xmlns:a="http://schemas.openxmlformats.org/drawingml/2006/main" noGrp="1"/>
-          </p:cNvSpPr>
-          <p:nvPr>
-            <p:ph idx="1"/>
-          </p:nvPr>
-        </p:nvSpPr>
-        <p:spPr/>
-        <p:txBody>
-          <a:bodyPr xmlns:a="http://schemas.openxmlformats.org/drawingml/2006/main"/>
-          <a:lstStyle xmlns:a="http://schemas.openxmlformats.org/drawingml/2006/main"/>
-          <a:p xmlns:a="http://schemas.openxmlformats.org/drawingml/2006/main"/>
-        </p:txBody>
-      </p:sp>
-    </p:spTree>
-  </p:cSld>
-</p:sld>
-</file>
-
-<file path=ppt/slides/slide21.xml><?xml version="1.0" encoding="utf-8"?>
-<p:sld xmlns:p="http://schemas.openxmlformats.org/presentationml/2006/main">
-  <p:cSld>
-    <p:spTree>
-      <p:nvGrpSpPr>
-        <p:cNvPr id="1" name="Hello, my name is Prajwal Katuwal."/>
-        <p:cNvGrpSpPr/>
-        <p:nvPr/>
-      </p:nvGrpSpPr>
-      <p:grpSpPr/>
-      <p:sp>
-        <p:nvSpPr>
-          <p:cNvPr id="2" name="Title"/>
-          <p:cNvSpPr>
-            <a:spLocks xmlns:a="http://schemas.openxmlformats.org/drawingml/2006/main" noGrp="1"/>
-          </p:cNvSpPr>
-          <p:nvPr>
-            <p:ph type="title"/>
-          </p:nvPr>
-        </p:nvSpPr>
-        <p:spPr/>
-        <p:txBody>
-          <a:bodyPr xmlns:a="http://schemas.openxmlformats.org/drawingml/2006/main"/>
-          <a:lstStyle xmlns:a="http://schemas.openxmlformats.org/drawingml/2006/main"/>
-          <a:p xmlns:a="http://schemas.openxmlformats.org/drawingml/2006/main">
-            <a:r>
-              <a:t>Hello, my name is Prajwal Katuwal.</a:t>
-            </a:r>
-          </a:p>
-        </p:txBody>
-      </p:sp>
-      <p:sp>
-        <p:nvSpPr>
-          <p:cNvPr id="3" name="Content Placeholder"/>
-          <p:cNvSpPr>
-            <a:spLocks xmlns:a="http://schemas.openxmlformats.org/drawingml/2006/main" noGrp="1"/>
-          </p:cNvSpPr>
-          <p:nvPr>
-            <p:ph idx="1"/>
-          </p:nvPr>
-        </p:nvSpPr>
-        <p:spPr/>
-        <p:txBody>
-          <a:bodyPr xmlns:a="http://schemas.openxmlformats.org/drawingml/2006/main"/>
-          <a:lstStyle xmlns:a="http://schemas.openxmlformats.org/drawingml/2006/main"/>
-          <a:p xmlns:a="http://schemas.openxmlformats.org/drawingml/2006/main"/>
-        </p:txBody>
-      </p:sp>
-    </p:spTree>
-  </p:cSld>
-</p:sld>
-</file>
-
-<file path=ppt/slides/slide22.xml><?xml version="1.0" encoding="utf-8"?>
-<p:sld xmlns:p="http://schemas.openxmlformats.org/presentationml/2006/main">
-  <p:cSld>
-    <p:spTree>
-      <p:nvGrpSpPr>
-        <p:cNvPr id="1" name="Hello, my name is Pavel Sazonov."/>
-        <p:cNvGrpSpPr/>
-        <p:nvPr/>
-      </p:nvGrpSpPr>
-      <p:grpSpPr/>
-      <p:sp>
-        <p:nvSpPr>
-          <p:cNvPr id="2" name="Title"/>
-          <p:cNvSpPr>
-            <a:spLocks xmlns:a="http://schemas.openxmlformats.org/drawingml/2006/main" noGrp="1"/>
-          </p:cNvSpPr>
-          <p:nvPr>
-            <p:ph type="title"/>
-          </p:nvPr>
-        </p:nvSpPr>
-        <p:spPr/>
-        <p:txBody>
-          <a:bodyPr xmlns:a="http://schemas.openxmlformats.org/drawingml/2006/main"/>
-          <a:lstStyle xmlns:a="http://schemas.openxmlformats.org/drawingml/2006/main"/>
-          <a:p xmlns:a="http://schemas.openxmlformats.org/drawingml/2006/main">
-            <a:r>
-              <a:t>Hello, my name is Pavel Sazonov.</a:t>
-            </a:r>
-          </a:p>
-        </p:txBody>
-      </p:sp>
-      <p:sp>
-        <p:nvSpPr>
-          <p:cNvPr id="3" name="Content Placeholder"/>
-          <p:cNvSpPr>
-            <a:spLocks xmlns:a="http://schemas.openxmlformats.org/drawingml/2006/main" noGrp="1"/>
-          </p:cNvSpPr>
-          <p:nvPr>
-            <p:ph idx="1"/>
-          </p:nvPr>
-        </p:nvSpPr>
-        <p:spPr/>
-        <p:txBody>
-          <a:bodyPr xmlns:a="http://schemas.openxmlformats.org/drawingml/2006/main"/>
-          <a:lstStyle xmlns:a="http://schemas.openxmlformats.org/drawingml/2006/main"/>
-          <a:p xmlns:a="http://schemas.openxmlformats.org/drawingml/2006/main"/>
-        </p:txBody>
-      </p:sp>
-    </p:spTree>
-  </p:cSld>
-</p:sld>
-</file>
-
-<file path=ppt/slides/slide23.xml><?xml version="1.0" encoding="utf-8"?>
-<p:sld xmlns:p="http://schemas.openxmlformats.org/presentationml/2006/main">
-  <p:cSld>
-    <p:spTree>
-      <p:nvGrpSpPr>
-        <p:cNvPr id="1" name="Hello, my name is swarnim sharma."/>
-        <p:cNvGrpSpPr/>
-        <p:nvPr/>
-      </p:nvGrpSpPr>
-      <p:grpSpPr/>
-      <p:sp>
-        <p:nvSpPr>
-          <p:cNvPr id="2" name="Title"/>
-          <p:cNvSpPr>
-            <a:spLocks xmlns:a="http://schemas.openxmlformats.org/drawingml/2006/main" noGrp="1"/>
-          </p:cNvSpPr>
-          <p:nvPr>
-            <p:ph type="title"/>
-          </p:nvPr>
-        </p:nvSpPr>
-        <p:spPr/>
-        <p:txBody>
-          <a:bodyPr xmlns:a="http://schemas.openxmlformats.org/drawingml/2006/main"/>
-          <a:lstStyle xmlns:a="http://schemas.openxmlformats.org/drawingml/2006/main"/>
-          <a:p xmlns:a="http://schemas.openxmlformats.org/drawingml/2006/main">
-            <a:r>
-              <a:t>Hello, my name is swarnim sharma.</a:t>
-            </a:r>
-          </a:p>
-        </p:txBody>
-      </p:sp>
-      <p:sp>
-        <p:nvSpPr>
-          <p:cNvPr id="3" name="Content Placeholder"/>
-          <p:cNvSpPr>
-            <a:spLocks xmlns:a="http://schemas.openxmlformats.org/drawingml/2006/main" noGrp="1"/>
-          </p:cNvSpPr>
-          <p:nvPr>
-            <p:ph idx="1"/>
-          </p:nvPr>
-        </p:nvSpPr>
-        <p:spPr/>
-        <p:txBody>
-          <a:bodyPr xmlns:a="http://schemas.openxmlformats.org/drawingml/2006/main"/>
-          <a:lstStyle xmlns:a="http://schemas.openxmlformats.org/drawingml/2006/main"/>
-          <a:p xmlns:a="http://schemas.openxmlformats.org/drawingml/2006/main"/>
-        </p:txBody>
-      </p:sp>
-    </p:spTree>
-  </p:cSld>
-</p:sld>
-</file>
-
-<file path=ppt/slides/slide24.xml><?xml version="1.0" encoding="utf-8"?>
-<p:sld xmlns:p="http://schemas.openxmlformats.org/presentationml/2006/main">
-  <p:cSld>
-    <p:spTree>
-      <p:nvGrpSpPr>
-        <p:cNvPr id="1" name="Hello, my name is Tugrul Goktas."/>
-        <p:cNvGrpSpPr/>
-        <p:nvPr/>
-      </p:nvGrpSpPr>
-      <p:grpSpPr/>
-      <p:sp>
-        <p:nvSpPr>
-          <p:cNvPr id="2" name="Title"/>
-          <p:cNvSpPr>
-            <a:spLocks xmlns:a="http://schemas.openxmlformats.org/drawingml/2006/main" noGrp="1"/>
-          </p:cNvSpPr>
-          <p:nvPr>
-            <p:ph type="title"/>
-          </p:nvPr>
-        </p:nvSpPr>
-        <p:spPr/>
-        <p:txBody>
-          <a:bodyPr xmlns:a="http://schemas.openxmlformats.org/drawingml/2006/main"/>
-          <a:lstStyle xmlns:a="http://schemas.openxmlformats.org/drawingml/2006/main"/>
-          <a:p xmlns:a="http://schemas.openxmlformats.org/drawingml/2006/main">
-            <a:r>
-              <a:t>Hello, my name is Tugrul Goktas.</a:t>
-            </a:r>
-          </a:p>
-        </p:txBody>
-      </p:sp>
-      <p:sp>
-        <p:nvSpPr>
-          <p:cNvPr id="3" name="Content Placeholder"/>
-          <p:cNvSpPr>
-            <a:spLocks xmlns:a="http://schemas.openxmlformats.org/drawingml/2006/main" noGrp="1"/>
-          </p:cNvSpPr>
-          <p:nvPr>
-            <p:ph idx="1"/>
-          </p:nvPr>
-        </p:nvSpPr>
-        <p:spPr/>
-        <p:txBody>
-          <a:bodyPr xmlns:a="http://schemas.openxmlformats.org/drawingml/2006/main"/>
-          <a:lstStyle xmlns:a="http://schemas.openxmlformats.org/drawingml/2006/main"/>
-          <a:p xmlns:a="http://schemas.openxmlformats.org/drawingml/2006/main"/>
-        </p:txBody>
-      </p:sp>
-    </p:spTree>
-  </p:cSld>
-</p:sld>
-</file>
-
-<file path=ppt/slides/slide25.xml><?xml version="1.0" encoding="utf-8"?>
-<p:sld xmlns:p="http://schemas.openxmlformats.org/presentationml/2006/main">
-  <p:cSld>
-    <p:spTree>
-      <p:nvGrpSpPr>
-        <p:cNvPr id="1" name="Hello, my name is Jay Kalal."/>
-        <p:cNvGrpSpPr/>
-        <p:nvPr/>
-      </p:nvGrpSpPr>
-      <p:grpSpPr/>
-      <p:sp>
-        <p:nvSpPr>
-          <p:cNvPr id="2" name="Title"/>
-          <p:cNvSpPr>
-            <a:spLocks xmlns:a="http://schemas.openxmlformats.org/drawingml/2006/main" noGrp="1"/>
-          </p:cNvSpPr>
-          <p:nvPr>
-            <p:ph type="title"/>
-          </p:nvPr>
-        </p:nvSpPr>
-        <p:spPr/>
-        <p:txBody>
-          <a:bodyPr xmlns:a="http://schemas.openxmlformats.org/drawingml/2006/main"/>
-          <a:lstStyle xmlns:a="http://schemas.openxmlformats.org/drawingml/2006/main"/>
-          <a:p xmlns:a="http://schemas.openxmlformats.org/drawingml/2006/main">
-            <a:r>
-              <a:t>Hello, my name is Jay Kalal.</a:t>
-            </a:r>
-          </a:p>
-        </p:txBody>
-      </p:sp>
-      <p:sp>
-        <p:nvSpPr>
-          <p:cNvPr id="3" name="Content Placeholder"/>
-          <p:cNvSpPr>
-            <a:spLocks xmlns:a="http://schemas.openxmlformats.org/drawingml/2006/main" noGrp="1"/>
-          </p:cNvSpPr>
-          <p:nvPr>
-            <p:ph idx="1"/>
-          </p:nvPr>
-        </p:nvSpPr>
-        <p:spPr/>
-        <p:txBody>
-          <a:bodyPr xmlns:a="http://schemas.openxmlformats.org/drawingml/2006/main"/>
-          <a:lstStyle xmlns:a="http://schemas.openxmlformats.org/drawingml/2006/main"/>
-          <a:p xmlns:a="http://schemas.openxmlformats.org/drawingml/2006/main"/>
-        </p:txBody>
-      </p:sp>
-    </p:spTree>
-  </p:cSld>
-</p:sld>
-</file>
-
-<file path=ppt/slides/slide26.xml><?xml version="1.0" encoding="utf-8"?>
-<p:sld xmlns:p="http://schemas.openxmlformats.org/presentationml/2006/main">
-  <p:cSld>
-    <p:spTree>
-      <p:nvGrpSpPr>
-        <p:cNvPr id="1" name="Hello, my name is HemaAbhinandu Kotha."/>
-        <p:cNvGrpSpPr/>
-        <p:nvPr/>
-      </p:nvGrpSpPr>
-      <p:grpSpPr/>
-      <p:sp>
-        <p:nvSpPr>
-          <p:cNvPr id="2" name="Title"/>
-          <p:cNvSpPr>
-            <a:spLocks xmlns:a="http://schemas.openxmlformats.org/drawingml/2006/main" noGrp="1"/>
-          </p:cNvSpPr>
-          <p:nvPr>
-            <p:ph type="title"/>
-          </p:nvPr>
-        </p:nvSpPr>
-        <p:spPr/>
-        <p:txBody>
-          <a:bodyPr xmlns:a="http://schemas.openxmlformats.org/drawingml/2006/main"/>
-          <a:lstStyle xmlns:a="http://schemas.openxmlformats.org/drawingml/2006/main"/>
-          <a:p xmlns:a="http://schemas.openxmlformats.org/drawingml/2006/main">
-            <a:r>
-              <a:t>Hello, my name is HemaAbhinandu Kotha.</a:t>
-            </a:r>
-          </a:p>
-        </p:txBody>
-      </p:sp>
-      <p:sp>
-        <p:nvSpPr>
-          <p:cNvPr id="3" name="Content Placeholder"/>
-          <p:cNvSpPr>
-            <a:spLocks xmlns:a="http://schemas.openxmlformats.org/drawingml/2006/main" noGrp="1"/>
-          </p:cNvSpPr>
-          <p:nvPr>
-            <p:ph idx="1"/>
-          </p:nvPr>
-        </p:nvSpPr>
-        <p:spPr/>
-        <p:txBody>
-          <a:bodyPr xmlns:a="http://schemas.openxmlformats.org/drawingml/2006/main"/>
-          <a:lstStyle xmlns:a="http://schemas.openxmlformats.org/drawingml/2006/main"/>
-          <a:p xmlns:a="http://schemas.openxmlformats.org/drawingml/2006/main"/>
-        </p:txBody>
-      </p:sp>
-    </p:spTree>
-  </p:cSld>
-</p:sld>
-</file>
-
-<file path=ppt/slides/slide27.xml><?xml version="1.0" encoding="utf-8"?>
-<p:sld xmlns:p="http://schemas.openxmlformats.org/presentationml/2006/main">
-  <p:cSld>
-    <p:spTree>
-      <p:nvGrpSpPr>
-        <p:cNvPr id="1" name="Hello, my name is AkhilDas PradeepKumar."/>
-        <p:cNvGrpSpPr/>
-        <p:nvPr/>
-      </p:nvGrpSpPr>
-      <p:grpSpPr/>
-      <p:sp>
-        <p:nvSpPr>
-          <p:cNvPr id="2" name="Title"/>
-          <p:cNvSpPr>
-            <a:spLocks xmlns:a="http://schemas.openxmlformats.org/drawingml/2006/main" noGrp="1"/>
-          </p:cNvSpPr>
-          <p:nvPr>
-            <p:ph type="title"/>
-          </p:nvPr>
-        </p:nvSpPr>
-        <p:spPr/>
-        <p:txBody>
-          <a:bodyPr xmlns:a="http://schemas.openxmlformats.org/drawingml/2006/main"/>
-          <a:lstStyle xmlns:a="http://schemas.openxmlformats.org/drawingml/2006/main"/>
-          <a:p xmlns:a="http://schemas.openxmlformats.org/drawingml/2006/main">
-            <a:r>
-              <a:t>Hello, my name is AkhilDas PradeepKumar.</a:t>
-            </a:r>
-          </a:p>
-        </p:txBody>
-      </p:sp>
-      <p:sp>
-        <p:nvSpPr>
-          <p:cNvPr id="3" name="Content Placeholder"/>
-          <p:cNvSpPr>
-            <a:spLocks xmlns:a="http://schemas.openxmlformats.org/drawingml/2006/main" noGrp="1"/>
-          </p:cNvSpPr>
-          <p:nvPr>
-            <p:ph idx="1"/>
-          </p:nvPr>
-        </p:nvSpPr>
-        <p:spPr/>
-        <p:txBody>
-          <a:bodyPr xmlns:a="http://schemas.openxmlformats.org/drawingml/2006/main"/>
-          <a:lstStyle xmlns:a="http://schemas.openxmlformats.org/drawingml/2006/main"/>
-          <a:p xmlns:a="http://schemas.openxmlformats.org/drawingml/2006/main"/>
-        </p:txBody>
-      </p:sp>
-    </p:spTree>
-  </p:cSld>
-</p:sld>
-</file>
-
-<file path=ppt/slides/slide28.xml><?xml version="1.0" encoding="utf-8"?>
-<p:sld xmlns:p="http://schemas.openxmlformats.org/presentationml/2006/main">
-  <p:cSld>
-    <p:spTree>
-      <p:nvGrpSpPr>
-        <p:cNvPr id="1" name="Hello, my name is Swathi Palavalli."/>
-        <p:cNvGrpSpPr/>
-        <p:nvPr/>
-      </p:nvGrpSpPr>
-      <p:grpSpPr/>
-      <p:sp>
-        <p:nvSpPr>
-          <p:cNvPr id="2" name="Title"/>
-          <p:cNvSpPr>
-            <a:spLocks xmlns:a="http://schemas.openxmlformats.org/drawingml/2006/main" noGrp="1"/>
-          </p:cNvSpPr>
-          <p:nvPr>
-            <p:ph type="title"/>
-          </p:nvPr>
-        </p:nvSpPr>
-        <p:spPr/>
-        <p:txBody>
-          <a:bodyPr xmlns:a="http://schemas.openxmlformats.org/drawingml/2006/main"/>
-          <a:lstStyle xmlns:a="http://schemas.openxmlformats.org/drawingml/2006/main"/>
-          <a:p xmlns:a="http://schemas.openxmlformats.org/drawingml/2006/main">
-            <a:r>
-              <a:t>Hello, my name is Swathi Palavalli.</a:t>
-            </a:r>
-          </a:p>
-        </p:txBody>
-      </p:sp>
-      <p:sp>
-        <p:nvSpPr>
-          <p:cNvPr id="3" name="Content Placeholder"/>
-          <p:cNvSpPr>
-            <a:spLocks xmlns:a="http://schemas.openxmlformats.org/drawingml/2006/main" noGrp="1"/>
-          </p:cNvSpPr>
-          <p:nvPr>
-            <p:ph idx="1"/>
-          </p:nvPr>
-        </p:nvSpPr>
-        <p:spPr/>
-        <p:txBody>
-          <a:bodyPr xmlns:a="http://schemas.openxmlformats.org/drawingml/2006/main"/>
-          <a:lstStyle xmlns:a="http://schemas.openxmlformats.org/drawingml/2006/main"/>
-          <a:p xmlns:a="http://schemas.openxmlformats.org/drawingml/2006/main"/>
-        </p:txBody>
-      </p:sp>
-    </p:spTree>
-  </p:cSld>
-</p:sld>
-</file>
-
-<file path=ppt/slides/slide29.xml><?xml version="1.0" encoding="utf-8"?>
-<p:sld xmlns:p="http://schemas.openxmlformats.org/presentationml/2006/main">
-  <p:cSld>
-    <p:spTree>
-      <p:nvGrpSpPr>
-        <p:cNvPr id="1" name="Hello, my name is KavirajSingh Jon."/>
-        <p:cNvGrpSpPr/>
-        <p:nvPr/>
-      </p:nvGrpSpPr>
-      <p:grpSpPr/>
-      <p:sp>
-        <p:nvSpPr>
-          <p:cNvPr id="2" name="Title"/>
-          <p:cNvSpPr>
-            <a:spLocks xmlns:a="http://schemas.openxmlformats.org/drawingml/2006/main" noGrp="1"/>
-          </p:cNvSpPr>
-          <p:nvPr>
-            <p:ph type="title"/>
-          </p:nvPr>
-        </p:nvSpPr>
-        <p:spPr/>
-        <p:txBody>
-          <a:bodyPr xmlns:a="http://schemas.openxmlformats.org/drawingml/2006/main"/>
-          <a:lstStyle xmlns:a="http://schemas.openxmlformats.org/drawingml/2006/main"/>
-          <a:p xmlns:a="http://schemas.openxmlformats.org/drawingml/2006/main">
-            <a:r>
-              <a:t>Hello, my name is KavirajSingh Jon.</a:t>
-            </a:r>
-          </a:p>
-        </p:txBody>
-      </p:sp>
-      <p:sp>
-        <p:nvSpPr>
-          <p:cNvPr id="3" name="Content Placeholder"/>
-          <p:cNvSpPr>
-            <a:spLocks xmlns:a="http://schemas.openxmlformats.org/drawingml/2006/main" noGrp="1"/>
-          </p:cNvSpPr>
-          <p:nvPr>
-            <p:ph idx="1"/>
-          </p:nvPr>
-        </p:nvSpPr>
-        <p:spPr/>
-        <p:txBody>
-          <a:bodyPr xmlns:a="http://schemas.openxmlformats.org/drawingml/2006/main"/>
-          <a:lstStyle xmlns:a="http://schemas.openxmlformats.org/drawingml/2006/main"/>
-          <a:p xmlns:a="http://schemas.openxmlformats.org/drawingml/2006/main"/>
-        </p:txBody>
-      </p:sp>
-    </p:spTree>
-  </p:cSld>
-</p:sld>
-</file>
-
-<file path=ppt/slides/slide3.xml><?xml version="1.0" encoding="utf-8"?>
-<p:sld xmlns:p="http://schemas.openxmlformats.org/presentationml/2006/main">
-  <p:cSld>
-    <p:spTree>
-      <p:nvGrpSpPr>
-        <p:cNvPr id="1" name="Hello, my name is Chris Dyck."/>
-        <p:cNvGrpSpPr/>
-        <p:nvPr/>
-      </p:nvGrpSpPr>
-      <p:grpSpPr/>
-      <p:sp>
-        <p:nvSpPr>
-          <p:cNvPr id="2" name="Title"/>
-          <p:cNvSpPr>
-            <a:spLocks xmlns:a="http://schemas.openxmlformats.org/drawingml/2006/main" noGrp="1"/>
-          </p:cNvSpPr>
-          <p:nvPr>
-            <p:ph type="title"/>
-          </p:nvPr>
-        </p:nvSpPr>
-        <p:spPr/>
-        <p:txBody>
-          <a:bodyPr xmlns:a="http://schemas.openxmlformats.org/drawingml/2006/main"/>
-          <a:lstStyle xmlns:a="http://schemas.openxmlformats.org/drawingml/2006/main"/>
-          <a:p xmlns:a="http://schemas.openxmlformats.org/drawingml/2006/main">
-            <a:r>
-              <a:t>Hello, my name is Chris Dyck.</a:t>
-            </a:r>
-          </a:p>
-        </p:txBody>
-      </p:sp>
-      <p:sp>
-        <p:nvSpPr>
-          <p:cNvPr id="3" name="Content Placeholder"/>
-          <p:cNvSpPr>
-            <a:spLocks xmlns:a="http://schemas.openxmlformats.org/drawingml/2006/main" noGrp="1"/>
-          </p:cNvSpPr>
-          <p:nvPr>
-            <p:ph idx="1"/>
-          </p:nvPr>
-        </p:nvSpPr>
-        <p:spPr/>
-        <p:txBody>
-          <a:bodyPr xmlns:a="http://schemas.openxmlformats.org/drawingml/2006/main"/>
-          <a:lstStyle xmlns:a="http://schemas.openxmlformats.org/drawingml/2006/main"/>
-          <a:p xmlns:a="http://schemas.openxmlformats.org/drawingml/2006/main"/>
-        </p:txBody>
-      </p:sp>
-    </p:spTree>
-  </p:cSld>
-</p:sld>
-</file>
-
-<file path=ppt/slides/slide30.xml><?xml version="1.0" encoding="utf-8"?>
-<p:sld xmlns:p="http://schemas.openxmlformats.org/presentationml/2006/main">
-  <p:cSld>
-    <p:spTree>
-      <p:nvGrpSpPr>
-        <p:cNvPr id="1" name="Hello, my name is Althaf Edathara."/>
-        <p:cNvGrpSpPr/>
-        <p:nvPr/>
-      </p:nvGrpSpPr>
-      <p:grpSpPr/>
-      <p:sp>
-        <p:nvSpPr>
-          <p:cNvPr id="2" name="Title"/>
-          <p:cNvSpPr>
-            <a:spLocks xmlns:a="http://schemas.openxmlformats.org/drawingml/2006/main" noGrp="1"/>
-          </p:cNvSpPr>
-          <p:nvPr>
-            <p:ph type="title"/>
-          </p:nvPr>
-        </p:nvSpPr>
-        <p:spPr/>
-        <p:txBody>
-          <a:bodyPr xmlns:a="http://schemas.openxmlformats.org/drawingml/2006/main"/>
-          <a:lstStyle xmlns:a="http://schemas.openxmlformats.org/drawingml/2006/main"/>
-          <a:p xmlns:a="http://schemas.openxmlformats.org/drawingml/2006/main">
-            <a:r>
-              <a:t>Hello, my name is Althaf Edathara.</a:t>
-            </a:r>
-          </a:p>
-        </p:txBody>
-      </p:sp>
-      <p:sp>
-        <p:nvSpPr>
-          <p:cNvPr id="3" name="Content Placeholder"/>
-          <p:cNvSpPr>
-            <a:spLocks xmlns:a="http://schemas.openxmlformats.org/drawingml/2006/main" noGrp="1"/>
-          </p:cNvSpPr>
-          <p:nvPr>
-            <p:ph idx="1"/>
-          </p:nvPr>
-        </p:nvSpPr>
-        <p:spPr/>
-        <p:txBody>
-          <a:bodyPr xmlns:a="http://schemas.openxmlformats.org/drawingml/2006/main"/>
-          <a:lstStyle xmlns:a="http://schemas.openxmlformats.org/drawingml/2006/main"/>
-          <a:p xmlns:a="http://schemas.openxmlformats.org/drawingml/2006/main"/>
-        </p:txBody>
-      </p:sp>
-    </p:spTree>
-  </p:cSld>
-</p:sld>
-</file>
-
-<file path=ppt/slides/slide31.xml><?xml version="1.0" encoding="utf-8"?>
-<p:sld xmlns:p="http://schemas.openxmlformats.org/presentationml/2006/main">
-  <p:cSld>
-    <p:spTree>
-      <p:nvGrpSpPr>
-        <p:cNvPr id="1" name="Hello, my name is Nipin Dasani."/>
-        <p:cNvGrpSpPr/>
-        <p:nvPr/>
-      </p:nvGrpSpPr>
-      <p:grpSpPr/>
-      <p:sp>
-        <p:nvSpPr>
-          <p:cNvPr id="2" name="Title"/>
-          <p:cNvSpPr>
-            <a:spLocks xmlns:a="http://schemas.openxmlformats.org/drawingml/2006/main" noGrp="1"/>
-          </p:cNvSpPr>
-          <p:nvPr>
-            <p:ph type="title"/>
-          </p:nvPr>
-        </p:nvSpPr>
-        <p:spPr/>
-        <p:txBody>
-          <a:bodyPr xmlns:a="http://schemas.openxmlformats.org/drawingml/2006/main"/>
-          <a:lstStyle xmlns:a="http://schemas.openxmlformats.org/drawingml/2006/main"/>
-          <a:p xmlns:a="http://schemas.openxmlformats.org/drawingml/2006/main">
-            <a:r>
-              <a:t>Hello, my name is Nipin Dasani.</a:t>
-            </a:r>
-          </a:p>
-        </p:txBody>
-      </p:sp>
-      <p:sp>
-        <p:nvSpPr>
-          <p:cNvPr id="3" name="Content Placeholder"/>
-          <p:cNvSpPr>
-            <a:spLocks xmlns:a="http://schemas.openxmlformats.org/drawingml/2006/main" noGrp="1"/>
-          </p:cNvSpPr>
-          <p:nvPr>
-            <p:ph idx="1"/>
-          </p:nvPr>
-        </p:nvSpPr>
-        <p:spPr/>
-        <p:txBody>
-          <a:bodyPr xmlns:a="http://schemas.openxmlformats.org/drawingml/2006/main"/>
-          <a:lstStyle xmlns:a="http://schemas.openxmlformats.org/drawingml/2006/main"/>
-          <a:p xmlns:a="http://schemas.openxmlformats.org/drawingml/2006/main"/>
-        </p:txBody>
-      </p:sp>
-    </p:spTree>
-  </p:cSld>
-</p:sld>
-</file>
-
-<file path=ppt/slides/slide32.xml><?xml version="1.0" encoding="utf-8"?>
-<p:sld xmlns:p="http://schemas.openxmlformats.org/presentationml/2006/main">
-  <p:cSld>
-    <p:spTree>
-      <p:nvGrpSpPr>
-        <p:cNvPr id="1" name="Hello, my name is Avi Saini."/>
-        <p:cNvGrpSpPr/>
-        <p:nvPr/>
-      </p:nvGrpSpPr>
-      <p:grpSpPr/>
-      <p:sp>
-        <p:nvSpPr>
-          <p:cNvPr id="2" name="Title"/>
-          <p:cNvSpPr>
-            <a:spLocks xmlns:a="http://schemas.openxmlformats.org/drawingml/2006/main" noGrp="1"/>
-          </p:cNvSpPr>
-          <p:nvPr>
-            <p:ph type="title"/>
-          </p:nvPr>
-        </p:nvSpPr>
-        <p:spPr/>
-        <p:txBody>
-          <a:bodyPr xmlns:a="http://schemas.openxmlformats.org/drawingml/2006/main"/>
-          <a:lstStyle xmlns:a="http://schemas.openxmlformats.org/drawingml/2006/main"/>
-          <a:p xmlns:a="http://schemas.openxmlformats.org/drawingml/2006/main">
-            <a:r>
-              <a:t>Hello, my name is Avi Saini.</a:t>
-            </a:r>
-          </a:p>
-        </p:txBody>
-      </p:sp>
-      <p:sp>
-        <p:nvSpPr>
-          <p:cNvPr id="3" name="Content Placeholder"/>
-          <p:cNvSpPr>
-            <a:spLocks xmlns:a="http://schemas.openxmlformats.org/drawingml/2006/main" noGrp="1"/>
-          </p:cNvSpPr>
-          <p:nvPr>
-            <p:ph idx="1"/>
-          </p:nvPr>
-        </p:nvSpPr>
-        <p:spPr/>
-        <p:txBody>
-          <a:bodyPr xmlns:a="http://schemas.openxmlformats.org/drawingml/2006/main"/>
-          <a:lstStyle xmlns:a="http://schemas.openxmlformats.org/drawingml/2006/main"/>
-          <a:p xmlns:a="http://schemas.openxmlformats.org/drawingml/2006/main"/>
-        </p:txBody>
-      </p:sp>
-    </p:spTree>
-  </p:cSld>
-</p:sld>
-</file>
-
-<file path=ppt/slides/slide33.xml><?xml version="1.0" encoding="utf-8"?>
-<p:sld xmlns:p="http://schemas.openxmlformats.org/presentationml/2006/main">
-  <p:cSld>
-    <p:spTree>
-      <p:nvGrpSpPr>
-        <p:cNvPr id="1" name="Hello, my name is Kashish Jhaveri."/>
-        <p:cNvGrpSpPr/>
-        <p:nvPr/>
-      </p:nvGrpSpPr>
-      <p:grpSpPr/>
-      <p:sp>
-        <p:nvSpPr>
-          <p:cNvPr id="2" name="Title"/>
-          <p:cNvSpPr>
-            <a:spLocks xmlns:a="http://schemas.openxmlformats.org/drawingml/2006/main" noGrp="1"/>
-          </p:cNvSpPr>
-          <p:nvPr>
-            <p:ph type="title"/>
-          </p:nvPr>
-        </p:nvSpPr>
-        <p:spPr/>
-        <p:txBody>
-          <a:bodyPr xmlns:a="http://schemas.openxmlformats.org/drawingml/2006/main"/>
-          <a:lstStyle xmlns:a="http://schemas.openxmlformats.org/drawingml/2006/main"/>
-          <a:p xmlns:a="http://schemas.openxmlformats.org/drawingml/2006/main">
-            <a:r>
-              <a:t>Hello, my name is Kashish Jhaveri.</a:t>
-            </a:r>
-          </a:p>
-        </p:txBody>
-      </p:sp>
-      <p:sp>
-        <p:nvSpPr>
-          <p:cNvPr id="3" name="Content Placeholder"/>
-          <p:cNvSpPr>
-            <a:spLocks xmlns:a="http://schemas.openxmlformats.org/drawingml/2006/main" noGrp="1"/>
-          </p:cNvSpPr>
-          <p:nvPr>
-            <p:ph idx="1"/>
-          </p:nvPr>
-        </p:nvSpPr>
-        <p:spPr/>
-        <p:txBody>
-          <a:bodyPr xmlns:a="http://schemas.openxmlformats.org/drawingml/2006/main"/>
-          <a:lstStyle xmlns:a="http://schemas.openxmlformats.org/drawingml/2006/main"/>
-          <a:p xmlns:a="http://schemas.openxmlformats.org/drawingml/2006/main"/>
-        </p:txBody>
-      </p:sp>
-    </p:spTree>
-  </p:cSld>
-</p:sld>
-</file>
-
-<file path=ppt/slides/slide34.xml><?xml version="1.0" encoding="utf-8"?>
-<p:sld xmlns:p="http://schemas.openxmlformats.org/presentationml/2006/main">
-  <p:cSld>
-    <p:spTree>
-      <p:nvGrpSpPr>
-        <p:cNvPr id="1" name="Hello, my name is Robert Routledge."/>
-        <p:cNvGrpSpPr/>
-        <p:nvPr/>
-      </p:nvGrpSpPr>
-      <p:grpSpPr/>
-      <p:sp>
-        <p:nvSpPr>
-          <p:cNvPr id="2" name="Title"/>
-          <p:cNvSpPr>
-            <a:spLocks xmlns:a="http://schemas.openxmlformats.org/drawingml/2006/main" noGrp="1"/>
-          </p:cNvSpPr>
-          <p:nvPr>
-            <p:ph type="title"/>
-          </p:nvPr>
-        </p:nvSpPr>
-        <p:spPr/>
-        <p:txBody>
-          <a:bodyPr xmlns:a="http://schemas.openxmlformats.org/drawingml/2006/main"/>
-          <a:lstStyle xmlns:a="http://schemas.openxmlformats.org/drawingml/2006/main"/>
-          <a:p xmlns:a="http://schemas.openxmlformats.org/drawingml/2006/main">
-            <a:r>
-              <a:t>Hello, my name is Robert Routledge.</a:t>
-            </a:r>
-          </a:p>
-        </p:txBody>
-      </p:sp>
-      <p:sp>
-        <p:nvSpPr>
-          <p:cNvPr id="3" name="Content Placeholder"/>
-          <p:cNvSpPr>
-            <a:spLocks xmlns:a="http://schemas.openxmlformats.org/drawingml/2006/main" noGrp="1"/>
-          </p:cNvSpPr>
-          <p:nvPr>
-            <p:ph idx="1"/>
-          </p:nvPr>
-        </p:nvSpPr>
-        <p:spPr/>
-        <p:txBody>
-          <a:bodyPr xmlns:a="http://schemas.openxmlformats.org/drawingml/2006/main"/>
-          <a:lstStyle xmlns:a="http://schemas.openxmlformats.org/drawingml/2006/main"/>
-          <a:p xmlns:a="http://schemas.openxmlformats.org/drawingml/2006/main"/>
-        </p:txBody>
-      </p:sp>
-    </p:spTree>
-  </p:cSld>
-</p:sld>
-</file>
-
-<file path=ppt/slides/slide35.xml><?xml version="1.0" encoding="utf-8"?>
-<p:sld xmlns:p="http://schemas.openxmlformats.org/presentationml/2006/main">
-  <p:cSld>
-    <p:spTree>
-      <p:nvGrpSpPr>
-        <p:cNvPr id="1" name="Hello, my name is Sahiba Sachdeva."/>
-        <p:cNvGrpSpPr/>
-        <p:nvPr/>
-      </p:nvGrpSpPr>
-      <p:grpSpPr/>
-      <p:sp>
-        <p:nvSpPr>
-          <p:cNvPr id="2" name="Title"/>
-          <p:cNvSpPr>
-            <a:spLocks xmlns:a="http://schemas.openxmlformats.org/drawingml/2006/main" noGrp="1"/>
-          </p:cNvSpPr>
-          <p:nvPr>
-            <p:ph type="title"/>
-          </p:nvPr>
-        </p:nvSpPr>
-        <p:spPr/>
-        <p:txBody>
-          <a:bodyPr xmlns:a="http://schemas.openxmlformats.org/drawingml/2006/main"/>
-          <a:lstStyle xmlns:a="http://schemas.openxmlformats.org/drawingml/2006/main"/>
-          <a:p xmlns:a="http://schemas.openxmlformats.org/drawingml/2006/main">
-            <a:r>
-              <a:t>Hello, my name is Sahiba Sachdeva.</a:t>
-            </a:r>
-          </a:p>
-        </p:txBody>
-      </p:sp>
-      <p:sp>
-        <p:nvSpPr>
-          <p:cNvPr id="3" name="Content Placeholder"/>
-          <p:cNvSpPr>
-            <a:spLocks xmlns:a="http://schemas.openxmlformats.org/drawingml/2006/main" noGrp="1"/>
-          </p:cNvSpPr>
-          <p:nvPr>
-            <p:ph idx="1"/>
-          </p:nvPr>
-        </p:nvSpPr>
-        <p:spPr/>
-        <p:txBody>
-          <a:bodyPr xmlns:a="http://schemas.openxmlformats.org/drawingml/2006/main"/>
-          <a:lstStyle xmlns:a="http://schemas.openxmlformats.org/drawingml/2006/main"/>
-          <a:p xmlns:a="http://schemas.openxmlformats.org/drawingml/2006/main"/>
-        </p:txBody>
-      </p:sp>
-    </p:spTree>
-  </p:cSld>
-</p:sld>
-</file>
-
-<file path=ppt/slides/slide36.xml><?xml version="1.0" encoding="utf-8"?>
-<p:sld xmlns:p="http://schemas.openxmlformats.org/presentationml/2006/main">
-  <p:cSld>
-    <p:spTree>
-      <p:nvGrpSpPr>
-        <p:cNvPr id="1" name="Hello, my name is Sofiya Raju."/>
-        <p:cNvGrpSpPr/>
-        <p:nvPr/>
-      </p:nvGrpSpPr>
-      <p:grpSpPr/>
-      <p:sp>
-        <p:nvSpPr>
-          <p:cNvPr id="2" name="Title"/>
-          <p:cNvSpPr>
-            <a:spLocks xmlns:a="http://schemas.openxmlformats.org/drawingml/2006/main" noGrp="1"/>
-          </p:cNvSpPr>
-          <p:nvPr>
-            <p:ph type="title"/>
-          </p:nvPr>
-        </p:nvSpPr>
-        <p:spPr/>
-        <p:txBody>
-          <a:bodyPr xmlns:a="http://schemas.openxmlformats.org/drawingml/2006/main"/>
-          <a:lstStyle xmlns:a="http://schemas.openxmlformats.org/drawingml/2006/main"/>
-          <a:p xmlns:a="http://schemas.openxmlformats.org/drawingml/2006/main">
-            <a:r>
-              <a:t>Hello, my name is Sofiya Raju.</a:t>
-            </a:r>
-          </a:p>
-        </p:txBody>
-      </p:sp>
-      <p:sp>
-        <p:nvSpPr>
-          <p:cNvPr id="3" name="Content Placeholder"/>
-          <p:cNvSpPr>
-            <a:spLocks xmlns:a="http://schemas.openxmlformats.org/drawingml/2006/main" noGrp="1"/>
-          </p:cNvSpPr>
-          <p:nvPr>
-            <p:ph idx="1"/>
-          </p:nvPr>
-        </p:nvSpPr>
-        <p:spPr/>
-        <p:txBody>
-          <a:bodyPr xmlns:a="http://schemas.openxmlformats.org/drawingml/2006/main"/>
-          <a:lstStyle xmlns:a="http://schemas.openxmlformats.org/drawingml/2006/main"/>
-          <a:p xmlns:a="http://schemas.openxmlformats.org/drawingml/2006/main"/>
-        </p:txBody>
-      </p:sp>
-    </p:spTree>
-  </p:cSld>
-</p:sld>
-</file>
-
-<file path=ppt/slides/slide37.xml><?xml version="1.0" encoding="utf-8"?>
-<p:sld xmlns:p="http://schemas.openxmlformats.org/presentationml/2006/main">
-  <p:cSld>
-    <p:spTree>
-      <p:nvGrpSpPr>
-        <p:cNvPr id="1" name="Hello, my name is Sony Varghese."/>
-        <p:cNvGrpSpPr/>
-        <p:nvPr/>
-      </p:nvGrpSpPr>
-      <p:grpSpPr/>
-      <p:sp>
-        <p:nvSpPr>
-          <p:cNvPr id="2" name="Title"/>
-          <p:cNvSpPr>
-            <a:spLocks xmlns:a="http://schemas.openxmlformats.org/drawingml/2006/main" noGrp="1"/>
-          </p:cNvSpPr>
-          <p:nvPr>
-            <p:ph type="title"/>
-          </p:nvPr>
-        </p:nvSpPr>
-        <p:spPr/>
-        <p:txBody>
-          <a:bodyPr xmlns:a="http://schemas.openxmlformats.org/drawingml/2006/main"/>
-          <a:lstStyle xmlns:a="http://schemas.openxmlformats.org/drawingml/2006/main"/>
-          <a:p xmlns:a="http://schemas.openxmlformats.org/drawingml/2006/main">
-            <a:r>
-              <a:t>Hello, my name is Sony Varghese.</a:t>
-            </a:r>
-          </a:p>
-        </p:txBody>
-      </p:sp>
-      <p:sp>
-        <p:nvSpPr>
-          <p:cNvPr id="3" name="Content Placeholder"/>
-          <p:cNvSpPr>
-            <a:spLocks xmlns:a="http://schemas.openxmlformats.org/drawingml/2006/main" noGrp="1"/>
-          </p:cNvSpPr>
-          <p:nvPr>
-            <p:ph idx="1"/>
-          </p:nvPr>
-        </p:nvSpPr>
-        <p:spPr/>
-        <p:txBody>
-          <a:bodyPr xmlns:a="http://schemas.openxmlformats.org/drawingml/2006/main"/>
-          <a:lstStyle xmlns:a="http://schemas.openxmlformats.org/drawingml/2006/main"/>
-          <a:p xmlns:a="http://schemas.openxmlformats.org/drawingml/2006/main"/>
-        </p:txBody>
-      </p:sp>
-    </p:spTree>
-  </p:cSld>
-</p:sld>
-</file>
-
-<file path=ppt/slides/slide38.xml><?xml version="1.0" encoding="utf-8"?>
-<p:sld xmlns:p="http://schemas.openxmlformats.org/presentationml/2006/main">
-  <p:cSld>
-    <p:spTree>
-      <p:nvGrpSpPr>
-        <p:cNvPr id="1" name="Hello, my name is Krishnapriya Sarojam."/>
-        <p:cNvGrpSpPr/>
-        <p:nvPr/>
-      </p:nvGrpSpPr>
-      <p:grpSpPr/>
-      <p:sp>
-        <p:nvSpPr>
-          <p:cNvPr id="2" name="Title"/>
-          <p:cNvSpPr>
-            <a:spLocks xmlns:a="http://schemas.openxmlformats.org/drawingml/2006/main" noGrp="1"/>
-          </p:cNvSpPr>
-          <p:nvPr>
-            <p:ph type="title"/>
-          </p:nvPr>
-        </p:nvSpPr>
-        <p:spPr/>
-        <p:txBody>
-          <a:bodyPr xmlns:a="http://schemas.openxmlformats.org/drawingml/2006/main"/>
-          <a:lstStyle xmlns:a="http://schemas.openxmlformats.org/drawingml/2006/main"/>
-          <a:p xmlns:a="http://schemas.openxmlformats.org/drawingml/2006/main">
-            <a:r>
-              <a:t>Hello, my name is Krishnapriya Sarojam.</a:t>
-            </a:r>
-          </a:p>
-        </p:txBody>
-      </p:sp>
-      <p:sp>
-        <p:nvSpPr>
-          <p:cNvPr id="3" name="Content Placeholder"/>
-          <p:cNvSpPr>
-            <a:spLocks xmlns:a="http://schemas.openxmlformats.org/drawingml/2006/main" noGrp="1"/>
-          </p:cNvSpPr>
-          <p:nvPr>
-            <p:ph idx="1"/>
-          </p:nvPr>
-        </p:nvSpPr>
-        <p:spPr/>
-        <p:txBody>
-          <a:bodyPr xmlns:a="http://schemas.openxmlformats.org/drawingml/2006/main"/>
-          <a:lstStyle xmlns:a="http://schemas.openxmlformats.org/drawingml/2006/main"/>
-          <a:p xmlns:a="http://schemas.openxmlformats.org/drawingml/2006/main"/>
-        </p:txBody>
-      </p:sp>
-    </p:spTree>
-  </p:cSld>
-</p:sld>
-</file>
-
-<file path=ppt/slides/slide39.xml><?xml version="1.0" encoding="utf-8"?>
+<file path=ppt/slides/slide4.xml><?xml version="1.0" encoding="utf-8"?>
+<p:sld xmlns:p="http://schemas.openxmlformats.org/presentationml/2006/main">
+  <p:cSld>
+    <p:spTree>
+      <p:nvGrpSpPr>
+        <p:cNvPr id="1" name="Hello, my name is Junseob Noh."/>
+        <p:cNvGrpSpPr/>
+        <p:nvPr/>
+      </p:nvGrpSpPr>
+      <p:grpSpPr/>
+      <p:sp>
+        <p:nvSpPr>
+          <p:cNvPr id="2" name="Title"/>
+          <p:cNvSpPr>
+            <a:spLocks xmlns:a="http://schemas.openxmlformats.org/drawingml/2006/main" noGrp="1"/>
+          </p:cNvSpPr>
+          <p:nvPr>
+            <p:ph type="title"/>
+          </p:nvPr>
+        </p:nvSpPr>
+        <p:spPr/>
+        <p:txBody>
+          <a:bodyPr xmlns:a="http://schemas.openxmlformats.org/drawingml/2006/main"/>
+          <a:lstStyle xmlns:a="http://schemas.openxmlformats.org/drawingml/2006/main"/>
+          <a:p xmlns:a="http://schemas.openxmlformats.org/drawingml/2006/main">
+            <a:r>
+              <a:t>Hello, my name is Junseob Noh.</a:t>
+            </a:r>
+          </a:p>
+        </p:txBody>
+      </p:sp>
+      <p:sp>
+        <p:nvSpPr>
+          <p:cNvPr id="3" name="Content Placeholder"/>
+          <p:cNvSpPr>
+            <a:spLocks xmlns:a="http://schemas.openxmlformats.org/drawingml/2006/main" noGrp="1"/>
+          </p:cNvSpPr>
+          <p:nvPr>
+            <p:ph idx="1"/>
+          </p:nvPr>
+        </p:nvSpPr>
+        <p:spPr/>
+        <p:txBody>
+          <a:bodyPr xmlns:a="http://schemas.openxmlformats.org/drawingml/2006/main"/>
+          <a:lstStyle xmlns:a="http://schemas.openxmlformats.org/drawingml/2006/main"/>
+          <a:p xmlns:a="http://schemas.openxmlformats.org/drawingml/2006/main"/>
+        </p:txBody>
+      </p:sp>
+    </p:spTree>
+  </p:cSld>
+</p:sld>
+</file>
+
+<file path=ppt/slides/slide40.xml><?xml version="1.0" encoding="utf-8"?>
 <p:sld xmlns:p="http://schemas.openxmlformats.org/presentationml/2006/main">
   <p:cSld>
     <p:spTree>
@@ -2095,60 +2202,7 @@
 </p:sld>
 </file>
 
-<file path=ppt/slides/slide4.xml><?xml version="1.0" encoding="utf-8"?>
-<p:sld xmlns:p="http://schemas.openxmlformats.org/presentationml/2006/main">
-  <p:cSld>
-    <p:spTree>
-      <p:nvGrpSpPr>
-        <p:cNvPr id="1" name="Hello, my name is Junseob Noh."/>
-        <p:cNvGrpSpPr/>
-        <p:nvPr/>
-      </p:nvGrpSpPr>
-      <p:grpSpPr/>
-      <p:sp>
-        <p:nvSpPr>
-          <p:cNvPr id="2" name="Title"/>
-          <p:cNvSpPr>
-            <a:spLocks xmlns:a="http://schemas.openxmlformats.org/drawingml/2006/main" noGrp="1"/>
-          </p:cNvSpPr>
-          <p:nvPr>
-            <p:ph type="title"/>
-          </p:nvPr>
-        </p:nvSpPr>
-        <p:spPr/>
-        <p:txBody>
-          <a:bodyPr xmlns:a="http://schemas.openxmlformats.org/drawingml/2006/main"/>
-          <a:lstStyle xmlns:a="http://schemas.openxmlformats.org/drawingml/2006/main"/>
-          <a:p xmlns:a="http://schemas.openxmlformats.org/drawingml/2006/main">
-            <a:r>
-              <a:t>Hello, my name is Junseob Noh.</a:t>
-            </a:r>
-          </a:p>
-        </p:txBody>
-      </p:sp>
-      <p:sp>
-        <p:nvSpPr>
-          <p:cNvPr id="3" name="Content Placeholder"/>
-          <p:cNvSpPr>
-            <a:spLocks xmlns:a="http://schemas.openxmlformats.org/drawingml/2006/main" noGrp="1"/>
-          </p:cNvSpPr>
-          <p:nvPr>
-            <p:ph idx="1"/>
-          </p:nvPr>
-        </p:nvSpPr>
-        <p:spPr/>
-        <p:txBody>
-          <a:bodyPr xmlns:a="http://schemas.openxmlformats.org/drawingml/2006/main"/>
-          <a:lstStyle xmlns:a="http://schemas.openxmlformats.org/drawingml/2006/main"/>
-          <a:p xmlns:a="http://schemas.openxmlformats.org/drawingml/2006/main"/>
-        </p:txBody>
-      </p:sp>
-    </p:spTree>
-  </p:cSld>
-</p:sld>
-</file>
-
-<file path=ppt/slides/slide40.xml><?xml version="1.0" encoding="utf-8"?>
+<file path=ppt/slides/slide41.xml><?xml version="1.0" encoding="utf-8"?>
 <p:sld xmlns:p="http://schemas.openxmlformats.org/presentationml/2006/main">
   <p:cSld>
     <p:spTree>
@@ -2201,7 +2255,7 @@
 </p:sld>
 </file>
 
-<file path=ppt/slides/slide41.xml><?xml version="1.0" encoding="utf-8"?>
+<file path=ppt/slides/slide42.xml><?xml version="1.0" encoding="utf-8"?>
 <p:sld xmlns:p="http://schemas.openxmlformats.org/presentationml/2006/main">
   <p:cSld>
     <p:spTree>
@@ -2254,7 +2308,7 @@
 </p:sld>
 </file>
 
-<file path=ppt/slides/slide42.xml><?xml version="1.0" encoding="utf-8"?>
+<file path=ppt/slides/slide43.xml><?xml version="1.0" encoding="utf-8"?>
 <p:sld xmlns:p="http://schemas.openxmlformats.org/presentationml/2006/main">
   <p:cSld>
     <p:spTree>
@@ -2307,7 +2361,7 @@
 </p:sld>
 </file>
 
-<file path=ppt/slides/slide43.xml><?xml version="1.0" encoding="utf-8"?>
+<file path=ppt/slides/slide44.xml><?xml version="1.0" encoding="utf-8"?>
 <p:sld xmlns:p="http://schemas.openxmlformats.org/presentationml/2006/main">
   <p:cSld>
     <p:spTree>
@@ -2577,28 +2631,28 @@
   <p:cSld>
     <p:spTree>
       <p:nvGrpSpPr>
-        <p:cNvPr id="1" name="Hello, my name is Prakash Gurung."/>
-        <p:cNvGrpSpPr/>
-        <p:nvPr/>
-      </p:nvGrpSpPr>
-      <p:grpSpPr/>
-      <p:sp>
-        <p:nvSpPr>
-          <p:cNvPr id="2" name="Title"/>
-          <p:cNvSpPr>
-            <a:spLocks xmlns:a="http://schemas.openxmlformats.org/drawingml/2006/main" noGrp="1"/>
-          </p:cNvSpPr>
-          <p:nvPr>
-            <p:ph type="title"/>
-          </p:nvPr>
-        </p:nvSpPr>
-        <p:spPr/>
-        <p:txBody>
-          <a:bodyPr xmlns:a="http://schemas.openxmlformats.org/drawingml/2006/main"/>
-          <a:lstStyle xmlns:a="http://schemas.openxmlformats.org/drawingml/2006/main"/>
-          <a:p xmlns:a="http://schemas.openxmlformats.org/drawingml/2006/main">
-            <a:r>
-              <a:t>Hello, my name is Prakash Gurung.</a:t>
+        <p:cNvPr id="1" name="Hello, my name is Ankita Singh."/>
+        <p:cNvGrpSpPr/>
+        <p:nvPr/>
+      </p:nvGrpSpPr>
+      <p:grpSpPr/>
+      <p:sp>
+        <p:nvSpPr>
+          <p:cNvPr id="2" name="Title"/>
+          <p:cNvSpPr>
+            <a:spLocks xmlns:a="http://schemas.openxmlformats.org/drawingml/2006/main" noGrp="1"/>
+          </p:cNvSpPr>
+          <p:nvPr>
+            <p:ph type="title"/>
+          </p:nvPr>
+        </p:nvSpPr>
+        <p:spPr/>
+        <p:txBody>
+          <a:bodyPr xmlns:a="http://schemas.openxmlformats.org/drawingml/2006/main"/>
+          <a:lstStyle xmlns:a="http://schemas.openxmlformats.org/drawingml/2006/main"/>
+          <a:p xmlns:a="http://schemas.openxmlformats.org/drawingml/2006/main">
+            <a:r>
+              <a:t>Hello, my name is Ankita Singh.</a:t>
             </a:r>
           </a:p>
         </p:txBody>
